--- a/chapter 01 - Linear regression with one variable/Aritificial_Intelligence.pptx
+++ b/chapter 01 - Linear regression with one variable/Aritificial_Intelligence.pptx
@@ -5,7 +5,7 @@
     <p:sldMasterId id="2147483648" r:id="rId1"/>
   </p:sldMasterIdLst>
   <p:notesMasterIdLst>
-    <p:notesMasterId r:id="rId40"/>
+    <p:notesMasterId r:id="rId41"/>
   </p:notesMasterIdLst>
   <p:sldIdLst>
     <p:sldId id="256" r:id="rId2"/>
@@ -20,50 +20,51 @@
     <p:sldId id="282" r:id="rId11"/>
     <p:sldId id="279" r:id="rId12"/>
     <p:sldId id="297" r:id="rId13"/>
-    <p:sldId id="281" r:id="rId14"/>
-    <p:sldId id="292" r:id="rId15"/>
-    <p:sldId id="295" r:id="rId16"/>
-    <p:sldId id="293" r:id="rId17"/>
-    <p:sldId id="294" r:id="rId18"/>
-    <p:sldId id="276" r:id="rId19"/>
-    <p:sldId id="268" r:id="rId20"/>
-    <p:sldId id="298" r:id="rId21"/>
-    <p:sldId id="269" r:id="rId22"/>
-    <p:sldId id="283" r:id="rId23"/>
-    <p:sldId id="284" r:id="rId24"/>
-    <p:sldId id="270" r:id="rId25"/>
-    <p:sldId id="271" r:id="rId26"/>
-    <p:sldId id="272" r:id="rId27"/>
-    <p:sldId id="277" r:id="rId28"/>
-    <p:sldId id="278" r:id="rId29"/>
-    <p:sldId id="273" r:id="rId30"/>
-    <p:sldId id="280" r:id="rId31"/>
-    <p:sldId id="285" r:id="rId32"/>
-    <p:sldId id="286" r:id="rId33"/>
-    <p:sldId id="287" r:id="rId34"/>
-    <p:sldId id="288" r:id="rId35"/>
-    <p:sldId id="289" r:id="rId36"/>
-    <p:sldId id="290" r:id="rId37"/>
-    <p:sldId id="291" r:id="rId38"/>
-    <p:sldId id="299" r:id="rId39"/>
+    <p:sldId id="300" r:id="rId14"/>
+    <p:sldId id="281" r:id="rId15"/>
+    <p:sldId id="292" r:id="rId16"/>
+    <p:sldId id="295" r:id="rId17"/>
+    <p:sldId id="293" r:id="rId18"/>
+    <p:sldId id="294" r:id="rId19"/>
+    <p:sldId id="276" r:id="rId20"/>
+    <p:sldId id="268" r:id="rId21"/>
+    <p:sldId id="298" r:id="rId22"/>
+    <p:sldId id="269" r:id="rId23"/>
+    <p:sldId id="283" r:id="rId24"/>
+    <p:sldId id="284" r:id="rId25"/>
+    <p:sldId id="270" r:id="rId26"/>
+    <p:sldId id="271" r:id="rId27"/>
+    <p:sldId id="272" r:id="rId28"/>
+    <p:sldId id="277" r:id="rId29"/>
+    <p:sldId id="278" r:id="rId30"/>
+    <p:sldId id="273" r:id="rId31"/>
+    <p:sldId id="280" r:id="rId32"/>
+    <p:sldId id="285" r:id="rId33"/>
+    <p:sldId id="286" r:id="rId34"/>
+    <p:sldId id="287" r:id="rId35"/>
+    <p:sldId id="288" r:id="rId36"/>
+    <p:sldId id="289" r:id="rId37"/>
+    <p:sldId id="290" r:id="rId38"/>
+    <p:sldId id="291" r:id="rId39"/>
+    <p:sldId id="299" r:id="rId40"/>
   </p:sldIdLst>
   <p:sldSz cx="9144000" cy="6858000" type="screen4x3"/>
   <p:notesSz cx="6858000" cy="9144000"/>
   <p:embeddedFontLst>
     <p:embeddedFont>
-      <p:font typeface="Open Sans Light" panose="020B0604020202020204" charset="0"/>
-      <p:regular r:id="rId41"/>
+      <p:font typeface="腾祥嘉丽线黑简" panose="02010600030101010101" charset="-122"/>
+      <p:regular r:id="rId42"/>
     </p:embeddedFont>
     <p:embeddedFont>
       <p:font typeface="Calibri" panose="020F0502020204030204" pitchFamily="34" charset="0"/>
-      <p:regular r:id="rId42"/>
-      <p:bold r:id="rId43"/>
-      <p:italic r:id="rId44"/>
-      <p:boldItalic r:id="rId45"/>
+      <p:regular r:id="rId43"/>
+      <p:bold r:id="rId44"/>
+      <p:italic r:id="rId45"/>
+      <p:boldItalic r:id="rId46"/>
     </p:embeddedFont>
     <p:embeddedFont>
-      <p:font typeface="腾祥嘉丽线黑简" panose="02010600030101010101" charset="-122"/>
-      <p:regular r:id="rId46"/>
+      <p:font typeface="Open Sans Light" panose="020B0604020202020204" charset="0"/>
+      <p:regular r:id="rId47"/>
     </p:embeddedFont>
   </p:embeddedFontLst>
   <p:defaultTextStyle>
@@ -262,7 +263,7 @@
           <a:p>
             <a:fld id="{E91DDA70-9ABB-48BD-AFA1-521354C93EB2}" type="datetimeFigureOut">
               <a:rPr lang="zh-CN" altLang="en-US" smtClean="0"/>
-              <a:t>2018/3/5</a:t>
+              <a:t>2018/3/7</a:t>
             </a:fld>
             <a:endParaRPr lang="zh-CN" altLang="en-US"/>
           </a:p>
@@ -595,7 +596,7 @@
           <a:p>
             <a:fld id="{5659187A-BB23-4800-A30B-D28C6B20B065}" type="slidenum">
               <a:rPr lang="zh-CN" altLang="en-US" smtClean="0"/>
-              <a:t>19</a:t>
+              <a:t>20</a:t>
             </a:fld>
             <a:endParaRPr lang="zh-CN" altLang="en-US"/>
           </a:p>
@@ -679,7 +680,7 @@
           <a:p>
             <a:fld id="{5659187A-BB23-4800-A30B-D28C6B20B065}" type="slidenum">
               <a:rPr lang="zh-CN" altLang="en-US" smtClean="0"/>
-              <a:t>21</a:t>
+              <a:t>22</a:t>
             </a:fld>
             <a:endParaRPr lang="zh-CN" altLang="en-US"/>
           </a:p>
@@ -896,7 +897,7 @@
           <a:p>
             <a:fld id="{BF353E24-75C5-4466-B8AD-0A8FC8EA8740}" type="datetimeFigureOut">
               <a:rPr lang="zh-CN" altLang="en-US" smtClean="0"/>
-              <a:t>2018/3/5</a:t>
+              <a:t>2018/3/7</a:t>
             </a:fld>
             <a:endParaRPr lang="zh-CN" altLang="en-US"/>
           </a:p>
@@ -1704,7 +1705,7 @@
           <a:p>
             <a:fld id="{BF353E24-75C5-4466-B8AD-0A8FC8EA8740}" type="datetimeFigureOut">
               <a:rPr lang="zh-CN" altLang="en-US" smtClean="0"/>
-              <a:t>2018/3/5</a:t>
+              <a:t>2018/3/7</a:t>
             </a:fld>
             <a:endParaRPr lang="zh-CN" altLang="en-US"/>
           </a:p>
@@ -2075,7 +2076,7 @@
             <a:fld id="{BF353E24-75C5-4466-B8AD-0A8FC8EA8740}" type="datetimeFigureOut">
               <a:rPr lang="zh-CN" altLang="en-US" smtClean="0"/>
               <a:pPr/>
-              <a:t>2018/3/5</a:t>
+              <a:t>2018/3/7</a:t>
             </a:fld>
             <a:endParaRPr lang="zh-CN" altLang="en-US" dirty="0"/>
           </a:p>
@@ -2672,7 +2673,7 @@
           <a:p>
             <a:fld id="{BF353E24-75C5-4466-B8AD-0A8FC8EA8740}" type="datetimeFigureOut">
               <a:rPr lang="zh-CN" altLang="en-US" smtClean="0"/>
-              <a:t>2018/3/5</a:t>
+              <a:t>2018/3/7</a:t>
             </a:fld>
             <a:endParaRPr lang="zh-CN" altLang="en-US"/>
           </a:p>
@@ -3102,7 +3103,7 @@
           <a:p>
             <a:fld id="{BF353E24-75C5-4466-B8AD-0A8FC8EA8740}" type="datetimeFigureOut">
               <a:rPr lang="zh-CN" altLang="en-US" smtClean="0"/>
-              <a:t>2018/3/5</a:t>
+              <a:t>2018/3/7</a:t>
             </a:fld>
             <a:endParaRPr lang="zh-CN" altLang="en-US"/>
           </a:p>
@@ -4001,7 +4002,7 @@
           <a:p>
             <a:fld id="{BF353E24-75C5-4466-B8AD-0A8FC8EA8740}" type="datetimeFigureOut">
               <a:rPr lang="zh-CN" altLang="en-US" smtClean="0"/>
-              <a:t>2018/3/5</a:t>
+              <a:t>2018/3/7</a:t>
             </a:fld>
             <a:endParaRPr lang="zh-CN" altLang="en-US"/>
           </a:p>
@@ -4387,7 +4388,7 @@
           <a:p>
             <a:fld id="{BF353E24-75C5-4466-B8AD-0A8FC8EA8740}" type="datetimeFigureOut">
               <a:rPr lang="zh-CN" altLang="en-US" smtClean="0"/>
-              <a:t>2018/3/5</a:t>
+              <a:t>2018/3/7</a:t>
             </a:fld>
             <a:endParaRPr lang="zh-CN" altLang="en-US"/>
           </a:p>
@@ -4602,7 +4603,7 @@
           <a:p>
             <a:fld id="{BF353E24-75C5-4466-B8AD-0A8FC8EA8740}" type="datetimeFigureOut">
               <a:rPr lang="zh-CN" altLang="en-US" smtClean="0"/>
-              <a:t>2018/3/5</a:t>
+              <a:t>2018/3/7</a:t>
             </a:fld>
             <a:endParaRPr lang="zh-CN" altLang="en-US"/>
           </a:p>
@@ -4836,7 +4837,7 @@
             <a:fld id="{BF353E24-75C5-4466-B8AD-0A8FC8EA8740}" type="datetimeFigureOut">
               <a:rPr lang="zh-CN" altLang="en-US" smtClean="0"/>
               <a:pPr/>
-              <a:t>2018/3/5</a:t>
+              <a:t>2018/3/7</a:t>
             </a:fld>
             <a:endParaRPr lang="zh-CN" altLang="en-US"/>
           </a:p>
@@ -5269,15 +5270,7 @@
                   <a:schemeClr val="tx1"/>
                 </a:solidFill>
               </a:rPr>
-              <a:t>年</a:t>
-            </a:r>
-            <a:r>
-              <a:rPr lang="zh-CN" altLang="en-US" dirty="0" smtClean="0">
-                <a:solidFill>
-                  <a:schemeClr val="tx1"/>
-                </a:solidFill>
-              </a:rPr>
-              <a:t>春节学期</a:t>
+              <a:t>年春节学期</a:t>
             </a:r>
             <a:endParaRPr lang="en-US" altLang="zh-CN" dirty="0" smtClean="0">
               <a:solidFill>
@@ -5956,6 +5949,165 @@
               <a:buChar char="l"/>
             </a:pPr>
             <a:r>
+              <a:rPr lang="zh-CN" altLang="en-US" dirty="0" smtClean="0"/>
+              <a:t>陈蕴侬   </a:t>
+            </a:r>
+            <a:r>
+              <a:rPr lang="en-US" altLang="zh-CN" dirty="0" smtClean="0"/>
+              <a:t>&amp;   </a:t>
+            </a:r>
+            <a:r>
+              <a:rPr lang="zh-CN" altLang="en-US" dirty="0" smtClean="0"/>
+              <a:t>李</a:t>
+            </a:r>
+            <a:r>
+              <a:rPr lang="zh-CN" altLang="en-US" dirty="0"/>
+              <a:t>宏</a:t>
+            </a:r>
+            <a:r>
+              <a:rPr lang="zh-CN" altLang="en-US" dirty="0" smtClean="0"/>
+              <a:t>毅</a:t>
+            </a:r>
+            <a:endParaRPr lang="en-US" altLang="zh-CN" dirty="0" smtClean="0"/>
+          </a:p>
+          <a:p>
+            <a:r>
+              <a:rPr lang="en-US" altLang="zh-CN" dirty="0"/>
+              <a:t>    </a:t>
+            </a:r>
+            <a:r>
+              <a:rPr lang="en-US" altLang="zh-CN" dirty="0">
+                <a:hlinkClick r:id="rId2"/>
+              </a:rPr>
+              <a:t>http://</a:t>
+            </a:r>
+            <a:r>
+              <a:rPr lang="en-US" altLang="zh-CN" dirty="0" smtClean="0">
+                <a:hlinkClick r:id="rId2"/>
+              </a:rPr>
+              <a:t>v.qq.com/vplus/578e2d6f5e1fadc1</a:t>
+            </a:r>
+            <a:endParaRPr lang="en-US" altLang="zh-CN" dirty="0" smtClean="0"/>
+          </a:p>
+          <a:p>
+            <a:endParaRPr lang="zh-CN" altLang="en-US" dirty="0"/>
+          </a:p>
+        </p:txBody>
+      </p:sp>
+      <p:sp>
+        <p:nvSpPr>
+          <p:cNvPr id="3" name="标题 2"/>
+          <p:cNvSpPr>
+            <a:spLocks noGrp="1"/>
+          </p:cNvSpPr>
+          <p:nvPr>
+            <p:ph type="title"/>
+          </p:nvPr>
+        </p:nvSpPr>
+        <p:spPr/>
+        <p:txBody>
+          <a:bodyPr/>
+          <a:lstStyle/>
+          <a:p>
+            <a:r>
+              <a:rPr lang="zh-CN" altLang="en-US" dirty="0" smtClean="0"/>
+              <a:t>台湾大学应用机器学习视频</a:t>
+            </a:r>
+            <a:endParaRPr lang="zh-CN" altLang="en-US" dirty="0"/>
+          </a:p>
+        </p:txBody>
+      </p:sp>
+      <p:pic>
+        <p:nvPicPr>
+          <p:cNvPr id="1026" name="Picture 2" descr="https://wx3.sinaimg.cn/mw690/5396ee05ly1fkqzvchlavj20xa0x77wh.jpg"/>
+          <p:cNvPicPr>
+            <a:picLocks noChangeAspect="1" noChangeArrowheads="1"/>
+          </p:cNvPicPr>
+          <p:nvPr/>
+        </p:nvPicPr>
+        <p:blipFill>
+          <a:blip r:embed="rId3" cstate="print">
+            <a:extLst>
+              <a:ext uri="{28A0092B-C50C-407E-A947-70E740481C1C}">
+                <a14:useLocalDpi xmlns:a14="http://schemas.microsoft.com/office/drawing/2010/main" val="0"/>
+              </a:ext>
+            </a:extLst>
+          </a:blip>
+          <a:srcRect/>
+          <a:stretch>
+            <a:fillRect/>
+          </a:stretch>
+        </p:blipFill>
+        <p:spPr bwMode="auto">
+          <a:xfrm>
+            <a:off x="4932040" y="2780928"/>
+            <a:ext cx="2729929" cy="2722017"/>
+          </a:xfrm>
+          <a:prstGeom prst="rect">
+            <a:avLst/>
+          </a:prstGeom>
+          <a:noFill/>
+          <a:extLst>
+            <a:ext uri="{909E8E84-426E-40DD-AFC4-6F175D3DCCD1}">
+              <a14:hiddenFill xmlns:a14="http://schemas.microsoft.com/office/drawing/2010/main">
+                <a:solidFill>
+                  <a:srgbClr val="FFFFFF"/>
+                </a:solidFill>
+              </a14:hiddenFill>
+            </a:ext>
+          </a:extLst>
+        </p:spPr>
+      </p:pic>
+    </p:spTree>
+    <p:extLst>
+      <p:ext uri="{BB962C8B-B14F-4D97-AF65-F5344CB8AC3E}">
+        <p14:creationId xmlns:p14="http://schemas.microsoft.com/office/powerpoint/2010/main" val="1469185270"/>
+      </p:ext>
+    </p:extLst>
+  </p:cSld>
+  <p:clrMapOvr>
+    <a:masterClrMapping/>
+  </p:clrMapOvr>
+</p:sld>
+</file>
+
+<file path=ppt/slides/slide14.xml><?xml version="1.0" encoding="utf-8"?>
+<p:sld xmlns:a="http://schemas.openxmlformats.org/drawingml/2006/main" xmlns:r="http://schemas.openxmlformats.org/officeDocument/2006/relationships" xmlns:p="http://schemas.openxmlformats.org/presentationml/2006/main">
+  <p:cSld>
+    <p:spTree>
+      <p:nvGrpSpPr>
+        <p:cNvPr id="1" name=""/>
+        <p:cNvGrpSpPr/>
+        <p:nvPr/>
+      </p:nvGrpSpPr>
+      <p:grpSpPr>
+        <a:xfrm>
+          <a:off x="0" y="0"/>
+          <a:ext cx="0" cy="0"/>
+          <a:chOff x="0" y="0"/>
+          <a:chExt cx="0" cy="0"/>
+        </a:xfrm>
+      </p:grpSpPr>
+      <p:sp>
+        <p:nvSpPr>
+          <p:cNvPr id="2" name="内容占位符 1"/>
+          <p:cNvSpPr>
+            <a:spLocks noGrp="1"/>
+          </p:cNvSpPr>
+          <p:nvPr>
+            <p:ph sz="half" idx="2"/>
+          </p:nvPr>
+        </p:nvSpPr>
+        <p:spPr/>
+        <p:txBody>
+          <a:bodyPr/>
+          <a:lstStyle/>
+          <a:p>
+            <a:pPr marL="342900" indent="-342900">
+              <a:buFont typeface="Wingdings" panose="05000000000000000000" pitchFamily="2" charset="2"/>
+              <a:buChar char="l"/>
+            </a:pPr>
+            <a:r>
               <a:rPr lang="en-US" altLang="zh-CN" dirty="0" err="1" smtClean="0"/>
               <a:t>Kaggle</a:t>
             </a:r>
@@ -6057,7 +6209,7 @@
 </p:sld>
 </file>
 
-<file path=ppt/slides/slide14.xml><?xml version="1.0" encoding="utf-8"?>
+<file path=ppt/slides/slide15.xml><?xml version="1.0" encoding="utf-8"?>
 <p:sld xmlns:a="http://schemas.openxmlformats.org/drawingml/2006/main" xmlns:r="http://schemas.openxmlformats.org/officeDocument/2006/relationships" xmlns:p="http://schemas.openxmlformats.org/presentationml/2006/main">
   <p:cSld>
     <p:spTree>
@@ -6155,14 +6307,14 @@
           <p:nvPr>
             <p:extLst>
               <p:ext uri="{D42A27DB-BD31-4B8C-83A1-F6EECF244321}">
-                <p14:modId xmlns:p14="http://schemas.microsoft.com/office/powerpoint/2010/main" val="2919744530"/>
+                <p14:modId xmlns:p14="http://schemas.microsoft.com/office/powerpoint/2010/main" val="4090000231"/>
               </p:ext>
             </p:extLst>
           </p:nvPr>
         </p:nvGraphicFramePr>
         <p:xfrm>
-          <a:off x="523874" y="1700808"/>
-          <a:ext cx="8096251" cy="4399189"/>
+          <a:off x="523874" y="1772816"/>
+          <a:ext cx="8096251" cy="4327181"/>
         </p:xfrm>
         <a:graphic>
           <a:graphicData uri="http://schemas.openxmlformats.org/drawingml/2006/table">
@@ -6175,7 +6327,7 @@
                 <a:gridCol w="1050221"/>
                 <a:gridCol w="3036094"/>
               </a:tblGrid>
-              <a:tr h="293176">
+              <a:tr h="221168">
                 <a:tc>
                   <a:txBody>
                     <a:bodyPr/>
@@ -8719,7 +8871,7 @@
 </p:sld>
 </file>
 
-<file path=ppt/slides/slide15.xml><?xml version="1.0" encoding="utf-8"?>
+<file path=ppt/slides/slide16.xml><?xml version="1.0" encoding="utf-8"?>
 <p:sld xmlns:a="http://schemas.openxmlformats.org/drawingml/2006/main" xmlns:r="http://schemas.openxmlformats.org/officeDocument/2006/relationships" xmlns:p="http://schemas.openxmlformats.org/presentationml/2006/main">
   <p:cSld>
     <p:spTree>
@@ -10362,7 +10514,7 @@
 </p:sld>
 </file>
 
-<file path=ppt/slides/slide16.xml><?xml version="1.0" encoding="utf-8"?>
+<file path=ppt/slides/slide17.xml><?xml version="1.0" encoding="utf-8"?>
 <p:sld xmlns:a="http://schemas.openxmlformats.org/drawingml/2006/main" xmlns:r="http://schemas.openxmlformats.org/officeDocument/2006/relationships" xmlns:p="http://schemas.openxmlformats.org/presentationml/2006/main">
   <p:cSld>
     <p:spTree>
@@ -10473,7 +10625,7 @@
 </p:sld>
 </file>
 
-<file path=ppt/slides/slide17.xml><?xml version="1.0" encoding="utf-8"?>
+<file path=ppt/slides/slide18.xml><?xml version="1.0" encoding="utf-8"?>
 <p:sld xmlns:a="http://schemas.openxmlformats.org/drawingml/2006/main" xmlns:r="http://schemas.openxmlformats.org/officeDocument/2006/relationships" xmlns:p="http://schemas.openxmlformats.org/presentationml/2006/main">
   <p:cSld>
     <p:spTree>
@@ -10582,7 +10734,7 @@
 </p:sld>
 </file>
 
-<file path=ppt/slides/slide18.xml><?xml version="1.0" encoding="utf-8"?>
+<file path=ppt/slides/slide19.xml><?xml version="1.0" encoding="utf-8"?>
 <p:sld xmlns:a="http://schemas.openxmlformats.org/drawingml/2006/main" xmlns:r="http://schemas.openxmlformats.org/officeDocument/2006/relationships" xmlns:p="http://schemas.openxmlformats.org/presentationml/2006/main">
   <p:cSld>
     <p:spTree>
@@ -10753,359 +10905,6 @@
     <p:extLst>
       <p:ext uri="{BB962C8B-B14F-4D97-AF65-F5344CB8AC3E}">
         <p14:creationId xmlns:p14="http://schemas.microsoft.com/office/powerpoint/2010/main" val="4261692786"/>
-      </p:ext>
-    </p:extLst>
-  </p:cSld>
-  <p:clrMapOvr>
-    <a:masterClrMapping/>
-  </p:clrMapOvr>
-  <p:timing>
-    <p:tnLst>
-      <p:par>
-        <p:cTn id="1" dur="indefinite" restart="never" nodeType="tmRoot"/>
-      </p:par>
-    </p:tnLst>
-  </p:timing>
-</p:sld>
-</file>
-
-<file path=ppt/slides/slide19.xml><?xml version="1.0" encoding="utf-8"?>
-<p:sld xmlns:a="http://schemas.openxmlformats.org/drawingml/2006/main" xmlns:r="http://schemas.openxmlformats.org/officeDocument/2006/relationships" xmlns:p="http://schemas.openxmlformats.org/presentationml/2006/main">
-  <p:cSld>
-    <p:spTree>
-      <p:nvGrpSpPr>
-        <p:cNvPr id="1" name=""/>
-        <p:cNvGrpSpPr/>
-        <p:nvPr/>
-      </p:nvGrpSpPr>
-      <p:grpSpPr>
-        <a:xfrm>
-          <a:off x="0" y="0"/>
-          <a:ext cx="0" cy="0"/>
-          <a:chOff x="0" y="0"/>
-          <a:chExt cx="0" cy="0"/>
-        </a:xfrm>
-      </p:grpSpPr>
-      <p:sp>
-        <p:nvSpPr>
-          <p:cNvPr id="2" name="内容占位符 1"/>
-          <p:cNvSpPr>
-            <a:spLocks noGrp="1"/>
-          </p:cNvSpPr>
-          <p:nvPr>
-            <p:ph sz="half" idx="2"/>
-          </p:nvPr>
-        </p:nvSpPr>
-        <p:spPr/>
-        <p:txBody>
-          <a:bodyPr>
-            <a:normAutofit fontScale="85000" lnSpcReduction="20000"/>
-          </a:bodyPr>
-          <a:lstStyle/>
-          <a:p>
-            <a:pPr marL="342900" indent="-342900">
-              <a:buFont typeface="Wingdings" panose="05000000000000000000" pitchFamily="2" charset="2"/>
-              <a:buChar char="l"/>
-            </a:pPr>
-            <a:r>
-              <a:rPr lang="en-US" altLang="zh-CN" dirty="0" smtClean="0"/>
-              <a:t>Week 1: </a:t>
-            </a:r>
-            <a:r>
-              <a:rPr lang="zh-CN" altLang="en-US" dirty="0" smtClean="0"/>
-              <a:t>课程介绍</a:t>
-            </a:r>
-            <a:r>
-              <a:rPr lang="zh-CN" altLang="en-US" dirty="0"/>
-              <a:t>和单变量线性回归</a:t>
-            </a:r>
-            <a:endParaRPr lang="en-US" altLang="zh-CN" dirty="0"/>
-          </a:p>
-          <a:p>
-            <a:pPr marL="342900" indent="-342900">
-              <a:buFont typeface="Wingdings" panose="05000000000000000000" pitchFamily="2" charset="2"/>
-              <a:buChar char="l"/>
-            </a:pPr>
-            <a:r>
-              <a:rPr lang="en-US" altLang="zh-CN" dirty="0" smtClean="0"/>
-              <a:t>Week 2: </a:t>
-            </a:r>
-            <a:r>
-              <a:rPr lang="zh-CN" altLang="en-US" dirty="0" smtClean="0"/>
-              <a:t>多变量线性回归</a:t>
-            </a:r>
-            <a:endParaRPr lang="en-US" altLang="zh-CN" dirty="0" smtClean="0"/>
-          </a:p>
-          <a:p>
-            <a:pPr marL="342900" indent="-342900">
-              <a:buFont typeface="Wingdings" panose="05000000000000000000" pitchFamily="2" charset="2"/>
-              <a:buChar char="l"/>
-            </a:pPr>
-            <a:r>
-              <a:rPr lang="en-US" altLang="zh-CN" dirty="0" smtClean="0"/>
-              <a:t>Week 3: </a:t>
-            </a:r>
-            <a:r>
-              <a:rPr lang="zh-CN" altLang="en-US" dirty="0" smtClean="0"/>
-              <a:t>逻辑回归</a:t>
-            </a:r>
-            <a:endParaRPr lang="en-US" altLang="zh-CN" dirty="0" smtClean="0"/>
-          </a:p>
-          <a:p>
-            <a:pPr marL="342900" indent="-342900">
-              <a:buFont typeface="Wingdings" panose="05000000000000000000" pitchFamily="2" charset="2"/>
-              <a:buChar char="l"/>
-            </a:pPr>
-            <a:r>
-              <a:rPr lang="en-US" altLang="zh-CN" dirty="0" smtClean="0"/>
-              <a:t>Week 4: </a:t>
-            </a:r>
-            <a:r>
-              <a:rPr lang="zh-CN" altLang="en-US" dirty="0" smtClean="0"/>
-              <a:t>决策树、</a:t>
-            </a:r>
-            <a:r>
-              <a:rPr lang="en-US" altLang="zh-CN" dirty="0" smtClean="0"/>
-              <a:t>kNN</a:t>
-            </a:r>
-            <a:r>
-              <a:rPr lang="zh-CN" altLang="en-US" dirty="0" smtClean="0"/>
-              <a:t>和朴素贝叶斯模型</a:t>
-            </a:r>
-            <a:endParaRPr lang="en-US" altLang="zh-CN" dirty="0" smtClean="0"/>
-          </a:p>
-          <a:p>
-            <a:pPr marL="342900" indent="-342900">
-              <a:buFont typeface="Wingdings" panose="05000000000000000000" pitchFamily="2" charset="2"/>
-              <a:buChar char="l"/>
-            </a:pPr>
-            <a:r>
-              <a:rPr lang="en-US" altLang="zh-CN" dirty="0" smtClean="0"/>
-              <a:t>Week 5: </a:t>
-            </a:r>
-            <a:r>
-              <a:rPr lang="zh-CN" altLang="en-US" dirty="0" smtClean="0"/>
-              <a:t>神经网络</a:t>
-            </a:r>
-            <a:endParaRPr lang="en-US" altLang="zh-CN" dirty="0" smtClean="0"/>
-          </a:p>
-          <a:p>
-            <a:pPr marL="342900" indent="-342900">
-              <a:buFont typeface="Wingdings" panose="05000000000000000000" pitchFamily="2" charset="2"/>
-              <a:buChar char="l"/>
-            </a:pPr>
-            <a:r>
-              <a:rPr lang="en-US" altLang="zh-CN" dirty="0" smtClean="0"/>
-              <a:t>Week 6: </a:t>
-            </a:r>
-            <a:r>
-              <a:rPr lang="zh-CN" altLang="en-US" dirty="0" smtClean="0"/>
-              <a:t>反向传播算法</a:t>
-            </a:r>
-            <a:endParaRPr lang="en-US" altLang="zh-CN" dirty="0" smtClean="0"/>
-          </a:p>
-          <a:p>
-            <a:pPr marL="342900" indent="-342900">
-              <a:buFont typeface="Wingdings" panose="05000000000000000000" pitchFamily="2" charset="2"/>
-              <a:buChar char="l"/>
-            </a:pPr>
-            <a:r>
-              <a:rPr lang="en-US" altLang="zh-CN" dirty="0" smtClean="0"/>
-              <a:t>Week 7: </a:t>
-            </a:r>
-            <a:r>
-              <a:rPr lang="zh-CN" altLang="en-US" dirty="0" smtClean="0"/>
-              <a:t>课程设计开题报告</a:t>
-            </a:r>
-            <a:endParaRPr lang="en-US" altLang="zh-CN" dirty="0" smtClean="0"/>
-          </a:p>
-          <a:p>
-            <a:pPr marL="342900" indent="-342900">
-              <a:buFont typeface="Wingdings" panose="05000000000000000000" pitchFamily="2" charset="2"/>
-              <a:buChar char="l"/>
-            </a:pPr>
-            <a:r>
-              <a:rPr lang="en-US" altLang="zh-CN" dirty="0" smtClean="0">
-                <a:solidFill>
-                  <a:srgbClr val="FF0000"/>
-                </a:solidFill>
-              </a:rPr>
-              <a:t>Week 8: </a:t>
-            </a:r>
-            <a:r>
-              <a:rPr lang="zh-CN" altLang="en-US" dirty="0" smtClean="0">
-                <a:solidFill>
-                  <a:srgbClr val="FF0000"/>
-                </a:solidFill>
-              </a:rPr>
-              <a:t>论文写作</a:t>
-            </a:r>
-            <a:endParaRPr lang="en-US" altLang="zh-CN" dirty="0" smtClean="0">
-              <a:solidFill>
-                <a:srgbClr val="FF0000"/>
-              </a:solidFill>
-            </a:endParaRPr>
-          </a:p>
-          <a:p>
-            <a:pPr marL="342900" indent="-342900">
-              <a:buFont typeface="Wingdings" panose="05000000000000000000" pitchFamily="2" charset="2"/>
-              <a:buChar char="l"/>
-            </a:pPr>
-            <a:r>
-              <a:rPr lang="en-US" altLang="zh-CN" dirty="0" smtClean="0">
-                <a:solidFill>
-                  <a:srgbClr val="FF0000"/>
-                </a:solidFill>
-              </a:rPr>
-              <a:t>Week 9: Latex</a:t>
-            </a:r>
-          </a:p>
-          <a:p>
-            <a:pPr marL="342900" indent="-342900">
-              <a:buFont typeface="Wingdings" panose="05000000000000000000" pitchFamily="2" charset="2"/>
-              <a:buChar char="l"/>
-            </a:pPr>
-            <a:r>
-              <a:rPr lang="en-US" altLang="zh-CN" dirty="0" smtClean="0"/>
-              <a:t>Week 10~11: </a:t>
-            </a:r>
-            <a:r>
-              <a:rPr lang="zh-CN" altLang="en-US" dirty="0" smtClean="0"/>
-              <a:t>图像识别，卷积神经网络与对抗网络</a:t>
-            </a:r>
-            <a:endParaRPr lang="en-US" altLang="zh-CN" dirty="0" smtClean="0"/>
-          </a:p>
-          <a:p>
-            <a:pPr marL="342900" indent="-342900">
-              <a:buFont typeface="Wingdings" panose="05000000000000000000" pitchFamily="2" charset="2"/>
-              <a:buChar char="l"/>
-            </a:pPr>
-            <a:r>
-              <a:rPr lang="en-US" altLang="zh-CN" dirty="0"/>
-              <a:t>Week </a:t>
-            </a:r>
-            <a:r>
-              <a:rPr lang="en-US" altLang="zh-CN" dirty="0" smtClean="0"/>
-              <a:t>12~13: </a:t>
-            </a:r>
-            <a:r>
-              <a:rPr lang="zh-CN" altLang="en-US" dirty="0" smtClean="0"/>
-              <a:t>自然语言处理，词向量和长短期记忆模型</a:t>
-            </a:r>
-            <a:endParaRPr lang="en-US" altLang="zh-CN" dirty="0" smtClean="0"/>
-          </a:p>
-          <a:p>
-            <a:pPr marL="342900" indent="-342900">
-              <a:buFont typeface="Wingdings" panose="05000000000000000000" pitchFamily="2" charset="2"/>
-              <a:buChar char="l"/>
-            </a:pPr>
-            <a:r>
-              <a:rPr lang="en-US" altLang="zh-CN" dirty="0"/>
-              <a:t>Week </a:t>
-            </a:r>
-            <a:r>
-              <a:rPr lang="en-US" altLang="zh-CN" dirty="0" smtClean="0"/>
-              <a:t>14: </a:t>
-            </a:r>
-            <a:r>
-              <a:rPr lang="zh-CN" altLang="en-US" dirty="0"/>
-              <a:t>机器学习系统设计，模型调参</a:t>
-            </a:r>
-            <a:endParaRPr lang="en-US" altLang="zh-CN" dirty="0"/>
-          </a:p>
-          <a:p>
-            <a:pPr marL="342900" indent="-342900">
-              <a:buFont typeface="Wingdings" panose="05000000000000000000" pitchFamily="2" charset="2"/>
-              <a:buChar char="l"/>
-            </a:pPr>
-            <a:r>
-              <a:rPr lang="en-US" altLang="zh-CN" dirty="0"/>
-              <a:t>Week </a:t>
-            </a:r>
-            <a:r>
-              <a:rPr lang="en-US" altLang="zh-CN" dirty="0" smtClean="0"/>
-              <a:t>15: </a:t>
-            </a:r>
-            <a:r>
-              <a:rPr lang="zh-CN" altLang="en-US" dirty="0"/>
-              <a:t>支持向量机</a:t>
-            </a:r>
-            <a:endParaRPr lang="en-US" altLang="zh-CN" dirty="0"/>
-          </a:p>
-          <a:p>
-            <a:pPr marL="342900" indent="-342900">
-              <a:buFont typeface="Wingdings" panose="05000000000000000000" pitchFamily="2" charset="2"/>
-              <a:buChar char="l"/>
-            </a:pPr>
-            <a:r>
-              <a:rPr lang="en-US" altLang="zh-CN" dirty="0"/>
-              <a:t>Week </a:t>
-            </a:r>
-            <a:r>
-              <a:rPr lang="en-US" altLang="zh-CN" dirty="0" smtClean="0"/>
-              <a:t>16: </a:t>
-            </a:r>
-            <a:r>
-              <a:rPr lang="zh-CN" altLang="en-US" dirty="0"/>
-              <a:t>非监督学习与降</a:t>
-            </a:r>
-            <a:r>
-              <a:rPr lang="zh-CN" altLang="en-US" dirty="0" smtClean="0"/>
-              <a:t>维</a:t>
-            </a:r>
-            <a:endParaRPr lang="en-US" altLang="zh-CN" dirty="0" smtClean="0"/>
-          </a:p>
-          <a:p>
-            <a:pPr marL="342900" indent="-342900">
-              <a:buFont typeface="Wingdings" panose="05000000000000000000" pitchFamily="2" charset="2"/>
-              <a:buChar char="l"/>
-            </a:pPr>
-            <a:r>
-              <a:rPr lang="en-US" altLang="zh-CN" dirty="0" smtClean="0"/>
-              <a:t>Week 17~18: </a:t>
-            </a:r>
-            <a:r>
-              <a:rPr lang="zh-CN" altLang="en-US" dirty="0" smtClean="0"/>
-              <a:t>课程设计项目报告</a:t>
-            </a:r>
-            <a:endParaRPr lang="en-US" altLang="zh-CN" dirty="0" smtClean="0"/>
-          </a:p>
-          <a:p>
-            <a:pPr marL="342900" indent="-342900">
-              <a:buFont typeface="Wingdings" panose="05000000000000000000" pitchFamily="2" charset="2"/>
-              <a:buChar char="l"/>
-            </a:pPr>
-            <a:endParaRPr lang="zh-CN" altLang="en-US" dirty="0"/>
-          </a:p>
-        </p:txBody>
-      </p:sp>
-      <p:sp>
-        <p:nvSpPr>
-          <p:cNvPr id="3" name="标题 2"/>
-          <p:cNvSpPr>
-            <a:spLocks noGrp="1"/>
-          </p:cNvSpPr>
-          <p:nvPr>
-            <p:ph type="title"/>
-          </p:nvPr>
-        </p:nvSpPr>
-        <p:spPr/>
-        <p:txBody>
-          <a:bodyPr/>
-          <a:lstStyle/>
-          <a:p>
-            <a:r>
-              <a:rPr lang="zh-CN" altLang="en-US" dirty="0" smtClean="0"/>
-              <a:t>课程大纲</a:t>
-            </a:r>
-            <a:endParaRPr lang="zh-CN" altLang="en-US" dirty="0"/>
-          </a:p>
-        </p:txBody>
-      </p:sp>
-    </p:spTree>
-    <p:extLst>
-      <p:ext uri="{BB962C8B-B14F-4D97-AF65-F5344CB8AC3E}">
-        <p14:creationId xmlns:p14="http://schemas.microsoft.com/office/powerpoint/2010/main" val="1127679010"/>
       </p:ext>
     </p:extLst>
   </p:cSld>
@@ -11254,11 +11053,7 @@
           <a:p>
             <a:r>
               <a:rPr lang="en-US" altLang="zh-CN" dirty="0" smtClean="0"/>
-              <a:t>Github: https://</a:t>
-            </a:r>
-            <a:r>
-              <a:rPr lang="en-US" altLang="zh-CN" dirty="0" smtClean="0"/>
-              <a:t>github.com/wangjin0818/artificial_intelligence_2018</a:t>
+              <a:t>Github: https://github.com/wangjin0818/artificial_intelligence_2018</a:t>
             </a:r>
             <a:endParaRPr lang="zh-CN" altLang="en-US" dirty="0"/>
           </a:p>
@@ -11334,64 +11129,289 @@
             <p:ph sz="half" idx="2"/>
           </p:nvPr>
         </p:nvSpPr>
-        <p:spPr/>
+        <p:spPr>
+          <a:xfrm>
+            <a:off x="457200" y="1052736"/>
+            <a:ext cx="8229600" cy="5073427"/>
+          </a:xfrm>
+        </p:spPr>
         <p:txBody>
-          <a:bodyPr/>
+          <a:bodyPr>
+            <a:normAutofit fontScale="92500" lnSpcReduction="20000"/>
+          </a:bodyPr>
           <a:lstStyle/>
           <a:p>
-            <a:pPr marL="457200" indent="-457200">
-              <a:buAutoNum type="arabicPeriod"/>
+            <a:pPr marL="342900" indent="-342900">
+              <a:buFont typeface="Wingdings" panose="05000000000000000000" pitchFamily="2" charset="2"/>
+              <a:buChar char="l"/>
             </a:pPr>
             <a:r>
               <a:rPr lang="en-US" altLang="zh-CN" dirty="0" smtClean="0"/>
-              <a:t>House Price Regression</a:t>
-            </a:r>
-          </a:p>
-          <a:p>
-            <a:pPr marL="457200" indent="-457200">
-              <a:buAutoNum type="arabicPeriod"/>
+              <a:t>Week 1: </a:t>
+            </a:r>
+            <a:r>
+              <a:rPr lang="zh-CN" altLang="en-US" dirty="0" smtClean="0"/>
+              <a:t>课程介绍</a:t>
+            </a:r>
+            <a:r>
+              <a:rPr lang="zh-CN" altLang="en-US" dirty="0"/>
+              <a:t>和单变量线性回归</a:t>
+            </a:r>
+            <a:endParaRPr lang="en-US" altLang="zh-CN" dirty="0"/>
+          </a:p>
+          <a:p>
+            <a:pPr marL="342900" indent="-342900">
+              <a:buFont typeface="Wingdings" panose="05000000000000000000" pitchFamily="2" charset="2"/>
+              <a:buChar char="l"/>
             </a:pPr>
             <a:r>
               <a:rPr lang="en-US" altLang="zh-CN" dirty="0" smtClean="0"/>
-              <a:t>Titanic: Machine Learning from Disaster</a:t>
-            </a:r>
-          </a:p>
-          <a:p>
-            <a:pPr marL="457200" indent="-457200">
-              <a:buAutoNum type="arabicPeriod"/>
+              <a:t>Week 2: </a:t>
+            </a:r>
+            <a:r>
+              <a:rPr lang="zh-CN" altLang="en-US" dirty="0" smtClean="0"/>
+              <a:t>多变量线性回归</a:t>
+            </a:r>
+            <a:endParaRPr lang="en-US" altLang="zh-CN" dirty="0" smtClean="0"/>
+          </a:p>
+          <a:p>
+            <a:pPr marL="342900" indent="-342900">
+              <a:buFont typeface="Wingdings" panose="05000000000000000000" pitchFamily="2" charset="2"/>
+              <a:buChar char="l"/>
             </a:pPr>
             <a:r>
               <a:rPr lang="en-US" altLang="zh-CN" dirty="0" smtClean="0"/>
-              <a:t>Latex Programming</a:t>
-            </a:r>
-          </a:p>
-          <a:p>
-            <a:pPr marL="457200" indent="-457200">
-              <a:buAutoNum type="arabicPeriod"/>
+              <a:t>Week 3: </a:t>
+            </a:r>
+            <a:r>
+              <a:rPr lang="zh-CN" altLang="en-US" dirty="0" smtClean="0"/>
+              <a:t>逻辑回归</a:t>
+            </a:r>
+            <a:endParaRPr lang="en-US" altLang="zh-CN" dirty="0" smtClean="0"/>
+          </a:p>
+          <a:p>
+            <a:pPr marL="342900" indent="-342900">
+              <a:buFont typeface="Wingdings" panose="05000000000000000000" pitchFamily="2" charset="2"/>
+              <a:buChar char="l"/>
             </a:pPr>
             <a:r>
               <a:rPr lang="en-US" altLang="zh-CN" dirty="0" smtClean="0"/>
-              <a:t>CNN for Digital Recognizer</a:t>
-            </a:r>
-          </a:p>
-          <a:p>
-            <a:pPr marL="457200" indent="-457200">
-              <a:buAutoNum type="arabicPeriod"/>
+              <a:t>Week 4: </a:t>
+            </a:r>
+            <a:r>
+              <a:rPr lang="zh-CN" altLang="en-US" dirty="0" smtClean="0"/>
+              <a:t>决策树、</a:t>
+            </a:r>
+            <a:r>
+              <a:rPr lang="en-US" altLang="zh-CN" dirty="0" smtClean="0"/>
+              <a:t>kNN</a:t>
+            </a:r>
+            <a:r>
+              <a:rPr lang="zh-CN" altLang="en-US" dirty="0" smtClean="0"/>
+              <a:t>和朴素贝叶斯模型</a:t>
+            </a:r>
+            <a:endParaRPr lang="en-US" altLang="zh-CN" dirty="0" smtClean="0"/>
+          </a:p>
+          <a:p>
+            <a:pPr marL="342900" indent="-342900">
+              <a:buFont typeface="Wingdings" panose="05000000000000000000" pitchFamily="2" charset="2"/>
+              <a:buChar char="l"/>
             </a:pPr>
             <a:r>
               <a:rPr lang="en-US" altLang="zh-CN" dirty="0" smtClean="0"/>
-              <a:t>LSTM for Movie Review</a:t>
-            </a:r>
-          </a:p>
-          <a:p>
-            <a:pPr marL="457200" indent="-457200">
-              <a:buAutoNum type="arabicPeriod"/>
+              <a:t>Week 5: </a:t>
+            </a:r>
+            <a:r>
+              <a:rPr lang="zh-CN" altLang="en-US" dirty="0" smtClean="0"/>
+              <a:t>神经网络</a:t>
+            </a:r>
+            <a:endParaRPr lang="en-US" altLang="zh-CN" dirty="0" smtClean="0"/>
+          </a:p>
+          <a:p>
+            <a:pPr marL="342900" indent="-342900">
+              <a:buFont typeface="Wingdings" panose="05000000000000000000" pitchFamily="2" charset="2"/>
+              <a:buChar char="l"/>
             </a:pPr>
+            <a:r>
+              <a:rPr lang="en-US" altLang="zh-CN" dirty="0" smtClean="0"/>
+              <a:t>Week 6: </a:t>
+            </a:r>
+            <a:r>
+              <a:rPr lang="zh-CN" altLang="en-US" dirty="0" smtClean="0"/>
+              <a:t>反向传播算法</a:t>
+            </a:r>
             <a:endParaRPr lang="en-US" altLang="zh-CN" dirty="0" smtClean="0"/>
           </a:p>
           <a:p>
-            <a:pPr marL="457200" indent="-457200">
-              <a:buAutoNum type="arabicPeriod"/>
+            <a:pPr marL="342900" indent="-342900">
+              <a:buFont typeface="Wingdings" panose="05000000000000000000" pitchFamily="2" charset="2"/>
+              <a:buChar char="l"/>
+            </a:pPr>
+            <a:r>
+              <a:rPr lang="en-US" altLang="zh-CN" dirty="0" smtClean="0"/>
+              <a:t>Week 7: </a:t>
+            </a:r>
+            <a:r>
+              <a:rPr lang="zh-CN" altLang="en-US" dirty="0" smtClean="0"/>
+              <a:t>课程设计开题报告</a:t>
+            </a:r>
+            <a:endParaRPr lang="en-US" altLang="zh-CN" dirty="0" smtClean="0"/>
+          </a:p>
+          <a:p>
+            <a:pPr marL="342900" indent="-342900">
+              <a:buFont typeface="Wingdings" panose="05000000000000000000" pitchFamily="2" charset="2"/>
+              <a:buChar char="l"/>
+            </a:pPr>
+            <a:r>
+              <a:rPr lang="en-US" altLang="zh-CN" dirty="0" smtClean="0">
+                <a:solidFill>
+                  <a:srgbClr val="FF0000"/>
+                </a:solidFill>
+              </a:rPr>
+              <a:t>Week 8: </a:t>
+            </a:r>
+            <a:r>
+              <a:rPr lang="zh-CN" altLang="en-US" dirty="0" smtClean="0">
+                <a:solidFill>
+                  <a:srgbClr val="FF0000"/>
+                </a:solidFill>
+              </a:rPr>
+              <a:t>论文写作</a:t>
+            </a:r>
+            <a:endParaRPr lang="en-US" altLang="zh-CN" dirty="0" smtClean="0">
+              <a:solidFill>
+                <a:srgbClr val="FF0000"/>
+              </a:solidFill>
+            </a:endParaRPr>
+          </a:p>
+          <a:p>
+            <a:pPr marL="342900" indent="-342900">
+              <a:buFont typeface="Wingdings" panose="05000000000000000000" pitchFamily="2" charset="2"/>
+              <a:buChar char="l"/>
+            </a:pPr>
+            <a:r>
+              <a:rPr lang="en-US" altLang="zh-CN" dirty="0" smtClean="0">
+                <a:solidFill>
+                  <a:srgbClr val="FF0000"/>
+                </a:solidFill>
+              </a:rPr>
+              <a:t>Week 9: Latex</a:t>
+            </a:r>
+          </a:p>
+          <a:p>
+            <a:pPr marL="342900" indent="-342900">
+              <a:buFont typeface="Wingdings" panose="05000000000000000000" pitchFamily="2" charset="2"/>
+              <a:buChar char="l"/>
+            </a:pPr>
+            <a:r>
+              <a:rPr lang="en-US" altLang="zh-CN" dirty="0" smtClean="0"/>
+              <a:t>Week 10~11: </a:t>
+            </a:r>
+            <a:r>
+              <a:rPr lang="zh-CN" altLang="en-US" dirty="0" smtClean="0"/>
+              <a:t>图像识别，卷积神经网络与对抗网络</a:t>
+            </a:r>
+            <a:endParaRPr lang="en-US" altLang="zh-CN" dirty="0" smtClean="0"/>
+          </a:p>
+          <a:p>
+            <a:pPr marL="342900" indent="-342900">
+              <a:buFont typeface="Wingdings" panose="05000000000000000000" pitchFamily="2" charset="2"/>
+              <a:buChar char="l"/>
+            </a:pPr>
+            <a:r>
+              <a:rPr lang="en-US" altLang="zh-CN" dirty="0"/>
+              <a:t>Week </a:t>
+            </a:r>
+            <a:r>
+              <a:rPr lang="en-US" altLang="zh-CN" dirty="0" smtClean="0"/>
+              <a:t>12~13: </a:t>
+            </a:r>
+            <a:r>
+              <a:rPr lang="zh-CN" altLang="en-US" dirty="0" smtClean="0"/>
+              <a:t>自然语言处理，词向量和长短期记忆模型</a:t>
+            </a:r>
+            <a:endParaRPr lang="en-US" altLang="zh-CN" dirty="0" smtClean="0"/>
+          </a:p>
+          <a:p>
+            <a:pPr marL="342900" indent="-342900">
+              <a:buFont typeface="Wingdings" panose="05000000000000000000" pitchFamily="2" charset="2"/>
+              <a:buChar char="l"/>
+            </a:pPr>
+            <a:r>
+              <a:rPr lang="en-US" altLang="zh-CN" dirty="0"/>
+              <a:t>Week </a:t>
+            </a:r>
+            <a:r>
+              <a:rPr lang="en-US" altLang="zh-CN" dirty="0" smtClean="0"/>
+              <a:t>14: </a:t>
+            </a:r>
+            <a:r>
+              <a:rPr lang="zh-CN" altLang="en-US" dirty="0"/>
+              <a:t>机器学习系统设计，模型调参</a:t>
+            </a:r>
+            <a:endParaRPr lang="en-US" altLang="zh-CN" dirty="0"/>
+          </a:p>
+          <a:p>
+            <a:pPr marL="342900" indent="-342900">
+              <a:buFont typeface="Wingdings" panose="05000000000000000000" pitchFamily="2" charset="2"/>
+              <a:buChar char="l"/>
+            </a:pPr>
+            <a:r>
+              <a:rPr lang="en-US" altLang="zh-CN" dirty="0"/>
+              <a:t>Week </a:t>
+            </a:r>
+            <a:r>
+              <a:rPr lang="en-US" altLang="zh-CN" dirty="0" smtClean="0"/>
+              <a:t>15: </a:t>
+            </a:r>
+            <a:r>
+              <a:rPr lang="zh-CN" altLang="en-US" dirty="0"/>
+              <a:t>支持向量机</a:t>
+            </a:r>
+            <a:endParaRPr lang="en-US" altLang="zh-CN" dirty="0"/>
+          </a:p>
+          <a:p>
+            <a:pPr marL="342900" indent="-342900">
+              <a:buFont typeface="Wingdings" panose="05000000000000000000" pitchFamily="2" charset="2"/>
+              <a:buChar char="l"/>
+            </a:pPr>
+            <a:r>
+              <a:rPr lang="en-US" altLang="zh-CN" dirty="0"/>
+              <a:t>Week </a:t>
+            </a:r>
+            <a:r>
+              <a:rPr lang="en-US" altLang="zh-CN" dirty="0" smtClean="0"/>
+              <a:t>16: </a:t>
+            </a:r>
+            <a:r>
+              <a:rPr lang="zh-CN" altLang="en-US" dirty="0"/>
+              <a:t>非监督学习与降</a:t>
+            </a:r>
+            <a:r>
+              <a:rPr lang="zh-CN" altLang="en-US" dirty="0" smtClean="0"/>
+              <a:t>维</a:t>
+            </a:r>
+            <a:endParaRPr lang="en-US" altLang="zh-CN" dirty="0" smtClean="0"/>
+          </a:p>
+          <a:p>
+            <a:pPr marL="342900" indent="-342900">
+              <a:buFont typeface="Wingdings" panose="05000000000000000000" pitchFamily="2" charset="2"/>
+              <a:buChar char="l"/>
+            </a:pPr>
+            <a:r>
+              <a:rPr lang="en-US" altLang="zh-CN" dirty="0" smtClean="0"/>
+              <a:t>Week 17~18: </a:t>
+            </a:r>
+            <a:r>
+              <a:rPr lang="zh-CN" altLang="en-US" dirty="0" smtClean="0"/>
+              <a:t>课程设计项目报告</a:t>
+            </a:r>
+            <a:endParaRPr lang="en-US" altLang="zh-CN" dirty="0" smtClean="0"/>
+          </a:p>
+          <a:p>
+            <a:pPr marL="342900" indent="-342900">
+              <a:buFont typeface="Wingdings" panose="05000000000000000000" pitchFamily="2" charset="2"/>
+              <a:buChar char="l"/>
             </a:pPr>
             <a:endParaRPr lang="zh-CN" altLang="en-US" dirty="0"/>
           </a:p>
@@ -11414,6 +11434,139 @@
           <a:p>
             <a:r>
               <a:rPr lang="zh-CN" altLang="en-US" dirty="0" smtClean="0"/>
+              <a:t>课程大纲</a:t>
+            </a:r>
+            <a:endParaRPr lang="zh-CN" altLang="en-US" dirty="0"/>
+          </a:p>
+        </p:txBody>
+      </p:sp>
+    </p:spTree>
+    <p:extLst>
+      <p:ext uri="{BB962C8B-B14F-4D97-AF65-F5344CB8AC3E}">
+        <p14:creationId xmlns:p14="http://schemas.microsoft.com/office/powerpoint/2010/main" val="1127679010"/>
+      </p:ext>
+    </p:extLst>
+  </p:cSld>
+  <p:clrMapOvr>
+    <a:masterClrMapping/>
+  </p:clrMapOvr>
+  <p:timing>
+    <p:tnLst>
+      <p:par>
+        <p:cTn id="1" dur="indefinite" restart="never" nodeType="tmRoot"/>
+      </p:par>
+    </p:tnLst>
+  </p:timing>
+</p:sld>
+</file>
+
+<file path=ppt/slides/slide21.xml><?xml version="1.0" encoding="utf-8"?>
+<p:sld xmlns:a="http://schemas.openxmlformats.org/drawingml/2006/main" xmlns:r="http://schemas.openxmlformats.org/officeDocument/2006/relationships" xmlns:p="http://schemas.openxmlformats.org/presentationml/2006/main">
+  <p:cSld>
+    <p:spTree>
+      <p:nvGrpSpPr>
+        <p:cNvPr id="1" name=""/>
+        <p:cNvGrpSpPr/>
+        <p:nvPr/>
+      </p:nvGrpSpPr>
+      <p:grpSpPr>
+        <a:xfrm>
+          <a:off x="0" y="0"/>
+          <a:ext cx="0" cy="0"/>
+          <a:chOff x="0" y="0"/>
+          <a:chExt cx="0" cy="0"/>
+        </a:xfrm>
+      </p:grpSpPr>
+      <p:sp>
+        <p:nvSpPr>
+          <p:cNvPr id="2" name="内容占位符 1"/>
+          <p:cNvSpPr>
+            <a:spLocks noGrp="1"/>
+          </p:cNvSpPr>
+          <p:nvPr>
+            <p:ph sz="half" idx="2"/>
+          </p:nvPr>
+        </p:nvSpPr>
+        <p:spPr/>
+        <p:txBody>
+          <a:bodyPr/>
+          <a:lstStyle/>
+          <a:p>
+            <a:pPr marL="457200" indent="-457200">
+              <a:buAutoNum type="arabicPeriod"/>
+            </a:pPr>
+            <a:r>
+              <a:rPr lang="en-US" altLang="zh-CN" dirty="0" smtClean="0"/>
+              <a:t>House Price Regression</a:t>
+            </a:r>
+          </a:p>
+          <a:p>
+            <a:pPr marL="457200" indent="-457200">
+              <a:buAutoNum type="arabicPeriod"/>
+            </a:pPr>
+            <a:r>
+              <a:rPr lang="en-US" altLang="zh-CN" dirty="0" smtClean="0"/>
+              <a:t>Titanic: Machine Learning from Disaster</a:t>
+            </a:r>
+          </a:p>
+          <a:p>
+            <a:pPr marL="457200" indent="-457200">
+              <a:buAutoNum type="arabicPeriod"/>
+            </a:pPr>
+            <a:r>
+              <a:rPr lang="en-US" altLang="zh-CN" dirty="0" smtClean="0"/>
+              <a:t>Latex Programming</a:t>
+            </a:r>
+          </a:p>
+          <a:p>
+            <a:pPr marL="457200" indent="-457200">
+              <a:buAutoNum type="arabicPeriod"/>
+            </a:pPr>
+            <a:r>
+              <a:rPr lang="en-US" altLang="zh-CN" dirty="0" smtClean="0"/>
+              <a:t>CNN for Digital Recognizer</a:t>
+            </a:r>
+          </a:p>
+          <a:p>
+            <a:pPr marL="457200" indent="-457200">
+              <a:buAutoNum type="arabicPeriod"/>
+            </a:pPr>
+            <a:r>
+              <a:rPr lang="en-US" altLang="zh-CN" dirty="0" smtClean="0"/>
+              <a:t>LSTM for Movie Review</a:t>
+            </a:r>
+          </a:p>
+          <a:p>
+            <a:pPr marL="457200" indent="-457200">
+              <a:buAutoNum type="arabicPeriod"/>
+            </a:pPr>
+            <a:endParaRPr lang="en-US" altLang="zh-CN" dirty="0" smtClean="0"/>
+          </a:p>
+          <a:p>
+            <a:pPr marL="457200" indent="-457200">
+              <a:buAutoNum type="arabicPeriod"/>
+            </a:pPr>
+            <a:endParaRPr lang="zh-CN" altLang="en-US" dirty="0"/>
+          </a:p>
+        </p:txBody>
+      </p:sp>
+      <p:sp>
+        <p:nvSpPr>
+          <p:cNvPr id="3" name="标题 2"/>
+          <p:cNvSpPr>
+            <a:spLocks noGrp="1"/>
+          </p:cNvSpPr>
+          <p:nvPr>
+            <p:ph type="title"/>
+          </p:nvPr>
+        </p:nvSpPr>
+        <p:spPr/>
+        <p:txBody>
+          <a:bodyPr/>
+          <a:lstStyle/>
+          <a:p>
+            <a:r>
+              <a:rPr lang="zh-CN" altLang="en-US" dirty="0" smtClean="0"/>
               <a:t>实验报告</a:t>
             </a:r>
             <a:endParaRPr lang="zh-CN" altLang="en-US" dirty="0"/>
@@ -11433,7 +11586,7 @@
 </p:sld>
 </file>
 
-<file path=ppt/slides/slide21.xml><?xml version="1.0" encoding="utf-8"?>
+<file path=ppt/slides/slide22.xml><?xml version="1.0" encoding="utf-8"?>
 <p:sld xmlns:a="http://schemas.openxmlformats.org/drawingml/2006/main" xmlns:r="http://schemas.openxmlformats.org/officeDocument/2006/relationships" xmlns:p="http://schemas.openxmlformats.org/presentationml/2006/main">
   <p:cSld>
     <p:spTree>
@@ -11591,7 +11744,7 @@
 </p:sld>
 </file>
 
-<file path=ppt/slides/slide22.xml><?xml version="1.0" encoding="utf-8"?>
+<file path=ppt/slides/slide23.xml><?xml version="1.0" encoding="utf-8"?>
 <p:sld xmlns:a="http://schemas.openxmlformats.org/drawingml/2006/main" xmlns:r="http://schemas.openxmlformats.org/officeDocument/2006/relationships" xmlns:p="http://schemas.openxmlformats.org/presentationml/2006/main">
   <p:cSld>
     <p:spTree>
@@ -11797,7 +11950,7 @@
 </p:sld>
 </file>
 
-<file path=ppt/slides/slide23.xml><?xml version="1.0" encoding="utf-8"?>
+<file path=ppt/slides/slide24.xml><?xml version="1.0" encoding="utf-8"?>
 <p:sld xmlns:a="http://schemas.openxmlformats.org/drawingml/2006/main" xmlns:r="http://schemas.openxmlformats.org/officeDocument/2006/relationships" xmlns:p="http://schemas.openxmlformats.org/presentationml/2006/main">
   <p:cSld>
     <p:spTree>
@@ -11909,244 +12062,6 @@
 </p:sld>
 </file>
 
-<file path=ppt/slides/slide24.xml><?xml version="1.0" encoding="utf-8"?>
-<p:sld xmlns:a="http://schemas.openxmlformats.org/drawingml/2006/main" xmlns:r="http://schemas.openxmlformats.org/officeDocument/2006/relationships" xmlns:p="http://schemas.openxmlformats.org/presentationml/2006/main">
-  <p:cSld>
-    <p:spTree>
-      <p:nvGrpSpPr>
-        <p:cNvPr id="1" name=""/>
-        <p:cNvGrpSpPr/>
-        <p:nvPr/>
-      </p:nvGrpSpPr>
-      <p:grpSpPr>
-        <a:xfrm>
-          <a:off x="0" y="0"/>
-          <a:ext cx="0" cy="0"/>
-          <a:chOff x="0" y="0"/>
-          <a:chExt cx="0" cy="0"/>
-        </a:xfrm>
-      </p:grpSpPr>
-      <p:sp>
-        <p:nvSpPr>
-          <p:cNvPr id="2" name="内容占位符 1"/>
-          <p:cNvSpPr>
-            <a:spLocks noGrp="1"/>
-          </p:cNvSpPr>
-          <p:nvPr>
-            <p:ph sz="half" idx="2"/>
-          </p:nvPr>
-        </p:nvSpPr>
-        <p:spPr/>
-        <p:txBody>
-          <a:bodyPr/>
-          <a:lstStyle/>
-          <a:p>
-            <a:pPr marL="342900" indent="-342900">
-              <a:buFont typeface="Wingdings" panose="05000000000000000000" pitchFamily="2" charset="2"/>
-              <a:buChar char="l"/>
-            </a:pPr>
-            <a:r>
-              <a:rPr lang="en-US" altLang="zh-CN" dirty="0"/>
-              <a:t>Anaconda</a:t>
-            </a:r>
-            <a:r>
-              <a:rPr lang="zh-CN" altLang="en-US" dirty="0"/>
-              <a:t>： </a:t>
-            </a:r>
-            <a:r>
-              <a:rPr lang="en-US" altLang="zh-CN" dirty="0"/>
-              <a:t>(</a:t>
-            </a:r>
-            <a:r>
-              <a:rPr lang="en-US" altLang="zh-CN" dirty="0">
-                <a:hlinkClick r:id="rId2"/>
-              </a:rPr>
-              <a:t>https://www.continuum.io</a:t>
-            </a:r>
-            <a:r>
-              <a:rPr lang="en-US" altLang="zh-CN" dirty="0" smtClean="0"/>
-              <a:t>)</a:t>
-            </a:r>
-          </a:p>
-          <a:p>
-            <a:pPr marL="342900" indent="-342900">
-              <a:buFont typeface="Wingdings" panose="05000000000000000000" pitchFamily="2" charset="2"/>
-              <a:buChar char="l"/>
-            </a:pPr>
-            <a:r>
-              <a:rPr lang="en-US" altLang="zh-CN" dirty="0" smtClean="0"/>
-              <a:t>Anaconda</a:t>
-            </a:r>
-            <a:r>
-              <a:rPr lang="zh-CN" altLang="en-US" dirty="0" smtClean="0"/>
-              <a:t>包含了</a:t>
-            </a:r>
-            <a:r>
-              <a:rPr lang="en-US" altLang="zh-CN" dirty="0" smtClean="0"/>
-              <a:t>Python</a:t>
-            </a:r>
-            <a:r>
-              <a:rPr lang="zh-CN" altLang="en-US" dirty="0" smtClean="0"/>
-              <a:t>中所使用的很多必须的运行库（包括</a:t>
-            </a:r>
-            <a:r>
-              <a:rPr lang="en-US" altLang="zh-CN" dirty="0" err="1" smtClean="0"/>
-              <a:t>Numpy</a:t>
-            </a:r>
-            <a:r>
-              <a:rPr lang="zh-CN" altLang="en-US" dirty="0" smtClean="0"/>
-              <a:t>），并集成了</a:t>
-            </a:r>
-            <a:r>
-              <a:rPr lang="en-US" altLang="zh-CN" dirty="0" smtClean="0"/>
-              <a:t>pip</a:t>
-            </a:r>
-            <a:r>
-              <a:rPr lang="zh-CN" altLang="en-US" dirty="0" smtClean="0"/>
-              <a:t>等安装工具，方便我们后期扩展。</a:t>
-            </a:r>
-            <a:endParaRPr lang="en-US" altLang="zh-CN" dirty="0" smtClean="0"/>
-          </a:p>
-          <a:p>
-            <a:pPr marL="342900" indent="-342900">
-              <a:buFont typeface="Wingdings" panose="05000000000000000000" pitchFamily="2" charset="2"/>
-              <a:buChar char="l"/>
-            </a:pPr>
-            <a:r>
-              <a:rPr lang="en-US" altLang="zh-CN" dirty="0" smtClean="0"/>
-              <a:t>Python 2.7</a:t>
-            </a:r>
-            <a:r>
-              <a:rPr lang="zh-CN" altLang="en-US" dirty="0" smtClean="0"/>
-              <a:t>和</a:t>
-            </a:r>
-            <a:r>
-              <a:rPr lang="en-US" altLang="zh-CN" dirty="0" smtClean="0"/>
-              <a:t>3.x</a:t>
-            </a:r>
-            <a:r>
-              <a:rPr lang="zh-CN" altLang="en-US" dirty="0" smtClean="0"/>
-              <a:t>版本。</a:t>
-            </a:r>
-            <a:endParaRPr lang="en-US" altLang="zh-CN" dirty="0" smtClean="0"/>
-          </a:p>
-          <a:p>
-            <a:pPr marL="342900" indent="-342900">
-              <a:buFont typeface="Wingdings" panose="05000000000000000000" pitchFamily="2" charset="2"/>
-              <a:buChar char="l"/>
-            </a:pPr>
-            <a:r>
-              <a:rPr lang="en-US" altLang="zh-CN" dirty="0" smtClean="0"/>
-              <a:t>2.7</a:t>
-            </a:r>
-            <a:r>
-              <a:rPr lang="zh-CN" altLang="en-US" dirty="0" smtClean="0"/>
-              <a:t>版本可以安装</a:t>
-            </a:r>
-            <a:r>
-              <a:rPr lang="en-US" altLang="zh-CN" dirty="0" smtClean="0"/>
-              <a:t>(Theano</a:t>
-            </a:r>
-            <a:r>
-              <a:rPr lang="zh-CN" altLang="en-US" dirty="0" smtClean="0"/>
-              <a:t>推荐使用</a:t>
-            </a:r>
-            <a:r>
-              <a:rPr lang="en-US" altLang="zh-CN" dirty="0" smtClean="0"/>
-              <a:t>2.7</a:t>
-            </a:r>
-            <a:r>
-              <a:rPr lang="zh-CN" altLang="en-US" dirty="0" smtClean="0"/>
-              <a:t>版本，</a:t>
-            </a:r>
-            <a:r>
-              <a:rPr lang="en-US" altLang="zh-CN" b="1" dirty="0" smtClean="0">
-                <a:solidFill>
-                  <a:srgbClr val="FF0000"/>
-                </a:solidFill>
-              </a:rPr>
-              <a:t>TensorFlow</a:t>
-            </a:r>
-            <a:r>
-              <a:rPr lang="zh-CN" altLang="en-US" b="1" dirty="0" smtClean="0">
-                <a:solidFill>
-                  <a:srgbClr val="FF0000"/>
-                </a:solidFill>
-              </a:rPr>
-              <a:t>推荐使用</a:t>
-            </a:r>
-            <a:r>
-              <a:rPr lang="en-US" altLang="zh-CN" b="1" dirty="0" smtClean="0">
-                <a:solidFill>
-                  <a:srgbClr val="FF0000"/>
-                </a:solidFill>
-              </a:rPr>
-              <a:t>3.5</a:t>
-            </a:r>
-            <a:r>
-              <a:rPr lang="zh-CN" altLang="en-US" b="1" dirty="0" smtClean="0">
-                <a:solidFill>
-                  <a:srgbClr val="FF0000"/>
-                </a:solidFill>
-              </a:rPr>
-              <a:t>版本</a:t>
-            </a:r>
-            <a:r>
-              <a:rPr lang="en-US" altLang="zh-CN" dirty="0" smtClean="0"/>
-              <a:t>)</a:t>
-            </a:r>
-          </a:p>
-          <a:p>
-            <a:endParaRPr lang="en-US" altLang="zh-CN" dirty="0"/>
-          </a:p>
-          <a:p>
-            <a:endParaRPr lang="zh-CN" altLang="en-US" dirty="0"/>
-          </a:p>
-        </p:txBody>
-      </p:sp>
-      <p:sp>
-        <p:nvSpPr>
-          <p:cNvPr id="3" name="标题 2"/>
-          <p:cNvSpPr>
-            <a:spLocks noGrp="1"/>
-          </p:cNvSpPr>
-          <p:nvPr>
-            <p:ph type="title"/>
-          </p:nvPr>
-        </p:nvSpPr>
-        <p:spPr/>
-        <p:txBody>
-          <a:bodyPr/>
-          <a:lstStyle/>
-          <a:p>
-            <a:r>
-              <a:rPr lang="zh-CN" altLang="en-US" dirty="0" smtClean="0"/>
-              <a:t>环境安装</a:t>
-            </a:r>
-            <a:endParaRPr lang="zh-CN" altLang="en-US" dirty="0"/>
-          </a:p>
-        </p:txBody>
-      </p:sp>
-    </p:spTree>
-    <p:extLst>
-      <p:ext uri="{BB962C8B-B14F-4D97-AF65-F5344CB8AC3E}">
-        <p14:creationId xmlns:p14="http://schemas.microsoft.com/office/powerpoint/2010/main" val="590135511"/>
-      </p:ext>
-    </p:extLst>
-  </p:cSld>
-  <p:clrMapOvr>
-    <a:masterClrMapping/>
-  </p:clrMapOvr>
-  <p:timing>
-    <p:tnLst>
-      <p:par>
-        <p:cTn id="1" dur="indefinite" restart="never" nodeType="tmRoot"/>
-      </p:par>
-    </p:tnLst>
-  </p:timing>
-</p:sld>
-</file>
-
 <file path=ppt/slides/slide25.xml><?xml version="1.0" encoding="utf-8"?>
 <p:sld xmlns:a="http://schemas.openxmlformats.org/drawingml/2006/main" xmlns:r="http://schemas.openxmlformats.org/officeDocument/2006/relationships" xmlns:p="http://schemas.openxmlformats.org/presentationml/2006/main">
   <p:cSld>
@@ -12184,6 +12099,244 @@
               <a:buChar char="l"/>
             </a:pPr>
             <a:r>
+              <a:rPr lang="en-US" altLang="zh-CN" dirty="0"/>
+              <a:t>Anaconda</a:t>
+            </a:r>
+            <a:r>
+              <a:rPr lang="zh-CN" altLang="en-US" dirty="0"/>
+              <a:t>： </a:t>
+            </a:r>
+            <a:r>
+              <a:rPr lang="en-US" altLang="zh-CN" dirty="0"/>
+              <a:t>(</a:t>
+            </a:r>
+            <a:r>
+              <a:rPr lang="en-US" altLang="zh-CN" dirty="0">
+                <a:hlinkClick r:id="rId2"/>
+              </a:rPr>
+              <a:t>https://www.continuum.io</a:t>
+            </a:r>
+            <a:r>
+              <a:rPr lang="en-US" altLang="zh-CN" dirty="0" smtClean="0"/>
+              <a:t>)</a:t>
+            </a:r>
+          </a:p>
+          <a:p>
+            <a:pPr marL="342900" indent="-342900">
+              <a:buFont typeface="Wingdings" panose="05000000000000000000" pitchFamily="2" charset="2"/>
+              <a:buChar char="l"/>
+            </a:pPr>
+            <a:r>
+              <a:rPr lang="en-US" altLang="zh-CN" dirty="0" smtClean="0"/>
+              <a:t>Anaconda</a:t>
+            </a:r>
+            <a:r>
+              <a:rPr lang="zh-CN" altLang="en-US" dirty="0" smtClean="0"/>
+              <a:t>包含了</a:t>
+            </a:r>
+            <a:r>
+              <a:rPr lang="en-US" altLang="zh-CN" dirty="0" smtClean="0"/>
+              <a:t>Python</a:t>
+            </a:r>
+            <a:r>
+              <a:rPr lang="zh-CN" altLang="en-US" dirty="0" smtClean="0"/>
+              <a:t>中所使用的很多必须的运行库（包括</a:t>
+            </a:r>
+            <a:r>
+              <a:rPr lang="en-US" altLang="zh-CN" dirty="0" err="1" smtClean="0"/>
+              <a:t>Numpy</a:t>
+            </a:r>
+            <a:r>
+              <a:rPr lang="zh-CN" altLang="en-US" dirty="0" smtClean="0"/>
+              <a:t>），并集成了</a:t>
+            </a:r>
+            <a:r>
+              <a:rPr lang="en-US" altLang="zh-CN" dirty="0" smtClean="0"/>
+              <a:t>pip</a:t>
+            </a:r>
+            <a:r>
+              <a:rPr lang="zh-CN" altLang="en-US" dirty="0" smtClean="0"/>
+              <a:t>等安装工具，方便我们后期扩展。</a:t>
+            </a:r>
+            <a:endParaRPr lang="en-US" altLang="zh-CN" dirty="0" smtClean="0"/>
+          </a:p>
+          <a:p>
+            <a:pPr marL="342900" indent="-342900">
+              <a:buFont typeface="Wingdings" panose="05000000000000000000" pitchFamily="2" charset="2"/>
+              <a:buChar char="l"/>
+            </a:pPr>
+            <a:r>
+              <a:rPr lang="en-US" altLang="zh-CN" dirty="0" smtClean="0"/>
+              <a:t>Python 2.7</a:t>
+            </a:r>
+            <a:r>
+              <a:rPr lang="zh-CN" altLang="en-US" dirty="0" smtClean="0"/>
+              <a:t>和</a:t>
+            </a:r>
+            <a:r>
+              <a:rPr lang="en-US" altLang="zh-CN" dirty="0" smtClean="0"/>
+              <a:t>3.x</a:t>
+            </a:r>
+            <a:r>
+              <a:rPr lang="zh-CN" altLang="en-US" dirty="0" smtClean="0"/>
+              <a:t>版本。</a:t>
+            </a:r>
+            <a:endParaRPr lang="en-US" altLang="zh-CN" dirty="0" smtClean="0"/>
+          </a:p>
+          <a:p>
+            <a:pPr marL="342900" indent="-342900">
+              <a:buFont typeface="Wingdings" panose="05000000000000000000" pitchFamily="2" charset="2"/>
+              <a:buChar char="l"/>
+            </a:pPr>
+            <a:r>
+              <a:rPr lang="en-US" altLang="zh-CN" dirty="0" smtClean="0"/>
+              <a:t>2.7</a:t>
+            </a:r>
+            <a:r>
+              <a:rPr lang="zh-CN" altLang="en-US" dirty="0" smtClean="0"/>
+              <a:t>版本可以安装</a:t>
+            </a:r>
+            <a:r>
+              <a:rPr lang="en-US" altLang="zh-CN" dirty="0" smtClean="0"/>
+              <a:t>(Theano</a:t>
+            </a:r>
+            <a:r>
+              <a:rPr lang="zh-CN" altLang="en-US" dirty="0" smtClean="0"/>
+              <a:t>推荐使用</a:t>
+            </a:r>
+            <a:r>
+              <a:rPr lang="en-US" altLang="zh-CN" dirty="0" smtClean="0"/>
+              <a:t>2.7</a:t>
+            </a:r>
+            <a:r>
+              <a:rPr lang="zh-CN" altLang="en-US" dirty="0" smtClean="0"/>
+              <a:t>版本，</a:t>
+            </a:r>
+            <a:r>
+              <a:rPr lang="en-US" altLang="zh-CN" b="1" dirty="0" smtClean="0">
+                <a:solidFill>
+                  <a:srgbClr val="FF0000"/>
+                </a:solidFill>
+              </a:rPr>
+              <a:t>TensorFlow</a:t>
+            </a:r>
+            <a:r>
+              <a:rPr lang="zh-CN" altLang="en-US" b="1" dirty="0" smtClean="0">
+                <a:solidFill>
+                  <a:srgbClr val="FF0000"/>
+                </a:solidFill>
+              </a:rPr>
+              <a:t>推荐使用</a:t>
+            </a:r>
+            <a:r>
+              <a:rPr lang="en-US" altLang="zh-CN" b="1" dirty="0" smtClean="0">
+                <a:solidFill>
+                  <a:srgbClr val="FF0000"/>
+                </a:solidFill>
+              </a:rPr>
+              <a:t>3.5</a:t>
+            </a:r>
+            <a:r>
+              <a:rPr lang="zh-CN" altLang="en-US" b="1" dirty="0" smtClean="0">
+                <a:solidFill>
+                  <a:srgbClr val="FF0000"/>
+                </a:solidFill>
+              </a:rPr>
+              <a:t>版本</a:t>
+            </a:r>
+            <a:r>
+              <a:rPr lang="en-US" altLang="zh-CN" dirty="0" smtClean="0"/>
+              <a:t>)</a:t>
+            </a:r>
+          </a:p>
+          <a:p>
+            <a:endParaRPr lang="en-US" altLang="zh-CN" dirty="0"/>
+          </a:p>
+          <a:p>
+            <a:endParaRPr lang="zh-CN" altLang="en-US" dirty="0"/>
+          </a:p>
+        </p:txBody>
+      </p:sp>
+      <p:sp>
+        <p:nvSpPr>
+          <p:cNvPr id="3" name="标题 2"/>
+          <p:cNvSpPr>
+            <a:spLocks noGrp="1"/>
+          </p:cNvSpPr>
+          <p:nvPr>
+            <p:ph type="title"/>
+          </p:nvPr>
+        </p:nvSpPr>
+        <p:spPr/>
+        <p:txBody>
+          <a:bodyPr/>
+          <a:lstStyle/>
+          <a:p>
+            <a:r>
+              <a:rPr lang="zh-CN" altLang="en-US" dirty="0" smtClean="0"/>
+              <a:t>环境安装</a:t>
+            </a:r>
+            <a:endParaRPr lang="zh-CN" altLang="en-US" dirty="0"/>
+          </a:p>
+        </p:txBody>
+      </p:sp>
+    </p:spTree>
+    <p:extLst>
+      <p:ext uri="{BB962C8B-B14F-4D97-AF65-F5344CB8AC3E}">
+        <p14:creationId xmlns:p14="http://schemas.microsoft.com/office/powerpoint/2010/main" val="590135511"/>
+      </p:ext>
+    </p:extLst>
+  </p:cSld>
+  <p:clrMapOvr>
+    <a:masterClrMapping/>
+  </p:clrMapOvr>
+  <p:timing>
+    <p:tnLst>
+      <p:par>
+        <p:cTn id="1" dur="indefinite" restart="never" nodeType="tmRoot"/>
+      </p:par>
+    </p:tnLst>
+  </p:timing>
+</p:sld>
+</file>
+
+<file path=ppt/slides/slide26.xml><?xml version="1.0" encoding="utf-8"?>
+<p:sld xmlns:a="http://schemas.openxmlformats.org/drawingml/2006/main" xmlns:r="http://schemas.openxmlformats.org/officeDocument/2006/relationships" xmlns:p="http://schemas.openxmlformats.org/presentationml/2006/main">
+  <p:cSld>
+    <p:spTree>
+      <p:nvGrpSpPr>
+        <p:cNvPr id="1" name=""/>
+        <p:cNvGrpSpPr/>
+        <p:nvPr/>
+      </p:nvGrpSpPr>
+      <p:grpSpPr>
+        <a:xfrm>
+          <a:off x="0" y="0"/>
+          <a:ext cx="0" cy="0"/>
+          <a:chOff x="0" y="0"/>
+          <a:chExt cx="0" cy="0"/>
+        </a:xfrm>
+      </p:grpSpPr>
+      <p:sp>
+        <p:nvSpPr>
+          <p:cNvPr id="2" name="内容占位符 1"/>
+          <p:cNvSpPr>
+            <a:spLocks noGrp="1"/>
+          </p:cNvSpPr>
+          <p:nvPr>
+            <p:ph sz="half" idx="2"/>
+          </p:nvPr>
+        </p:nvSpPr>
+        <p:spPr/>
+        <p:txBody>
+          <a:bodyPr/>
+          <a:lstStyle/>
+          <a:p>
+            <a:pPr marL="342900" indent="-342900">
+              <a:buFont typeface="Wingdings" panose="05000000000000000000" pitchFamily="2" charset="2"/>
+              <a:buChar char="l"/>
+            </a:pPr>
+            <a:r>
               <a:rPr lang="en-US" altLang="zh-CN" dirty="0" smtClean="0"/>
               <a:t>IDE(</a:t>
             </a:r>
@@ -12244,7 +12397,7 @@
 </p:sld>
 </file>
 
-<file path=ppt/slides/slide26.xml><?xml version="1.0" encoding="utf-8"?>
+<file path=ppt/slides/slide27.xml><?xml version="1.0" encoding="utf-8"?>
 <p:sld xmlns:a="http://schemas.openxmlformats.org/drawingml/2006/main" xmlns:r="http://schemas.openxmlformats.org/officeDocument/2006/relationships" xmlns:p="http://schemas.openxmlformats.org/presentationml/2006/main">
   <p:cSld>
     <p:spTree>
@@ -12397,7 +12550,7 @@
 </p:sld>
 </file>
 
-<file path=ppt/slides/slide27.xml><?xml version="1.0" encoding="utf-8"?>
+<file path=ppt/slides/slide28.xml><?xml version="1.0" encoding="utf-8"?>
 <p:sld xmlns:a="http://schemas.openxmlformats.org/drawingml/2006/main" xmlns:r="http://schemas.openxmlformats.org/officeDocument/2006/relationships" xmlns:p="http://schemas.openxmlformats.org/presentationml/2006/main">
   <p:cSld>
     <p:spTree>
@@ -12651,173 +12804,6 @@
     <p:extLst>
       <p:ext uri="{BB962C8B-B14F-4D97-AF65-F5344CB8AC3E}">
         <p14:creationId xmlns:p14="http://schemas.microsoft.com/office/powerpoint/2010/main" val="408158496"/>
-      </p:ext>
-    </p:extLst>
-  </p:cSld>
-  <p:clrMapOvr>
-    <a:masterClrMapping/>
-  </p:clrMapOvr>
-  <p:timing>
-    <p:tnLst>
-      <p:par>
-        <p:cTn id="1" dur="indefinite" restart="never" nodeType="tmRoot"/>
-      </p:par>
-    </p:tnLst>
-  </p:timing>
-</p:sld>
-</file>
-
-<file path=ppt/slides/slide28.xml><?xml version="1.0" encoding="utf-8"?>
-<p:sld xmlns:a="http://schemas.openxmlformats.org/drawingml/2006/main" xmlns:r="http://schemas.openxmlformats.org/officeDocument/2006/relationships" xmlns:p="http://schemas.openxmlformats.org/presentationml/2006/main">
-  <p:cSld>
-    <p:spTree>
-      <p:nvGrpSpPr>
-        <p:cNvPr id="1" name=""/>
-        <p:cNvGrpSpPr/>
-        <p:nvPr/>
-      </p:nvGrpSpPr>
-      <p:grpSpPr>
-        <a:xfrm>
-          <a:off x="0" y="0"/>
-          <a:ext cx="0" cy="0"/>
-          <a:chOff x="0" y="0"/>
-          <a:chExt cx="0" cy="0"/>
-        </a:xfrm>
-      </p:grpSpPr>
-      <p:sp>
-        <p:nvSpPr>
-          <p:cNvPr id="2" name="内容占位符 1"/>
-          <p:cNvSpPr>
-            <a:spLocks noGrp="1"/>
-          </p:cNvSpPr>
-          <p:nvPr>
-            <p:ph sz="half" idx="2"/>
-          </p:nvPr>
-        </p:nvSpPr>
-        <p:spPr/>
-        <p:txBody>
-          <a:bodyPr/>
-          <a:lstStyle/>
-          <a:p>
-            <a:pPr marL="342900" indent="-342900">
-              <a:buFont typeface="Wingdings" panose="05000000000000000000" pitchFamily="2" charset="2"/>
-              <a:buChar char="l"/>
-            </a:pPr>
-            <a:r>
-              <a:rPr lang="en-US" altLang="zh-CN" dirty="0"/>
-              <a:t>Sublime Text Package </a:t>
-            </a:r>
-            <a:r>
-              <a:rPr lang="en-US" altLang="zh-CN" dirty="0" smtClean="0"/>
-              <a:t>Control</a:t>
-            </a:r>
-          </a:p>
-          <a:p>
-            <a:pPr marL="342900" indent="-342900">
-              <a:buFont typeface="Wingdings" panose="05000000000000000000" pitchFamily="2" charset="2"/>
-              <a:buChar char="l"/>
-            </a:pPr>
-            <a:r>
-              <a:rPr lang="zh-CN" altLang="en-US" dirty="0" smtClean="0"/>
-              <a:t>安装完成，点击工具条</a:t>
-            </a:r>
-            <a:r>
-              <a:rPr lang="en-US" altLang="zh-CN" dirty="0" smtClean="0"/>
-              <a:t>Preferences-&gt;Package Control</a:t>
-            </a:r>
-          </a:p>
-          <a:p>
-            <a:pPr marL="342900" indent="-342900">
-              <a:buFont typeface="Wingdings" panose="05000000000000000000" pitchFamily="2" charset="2"/>
-              <a:buChar char="l"/>
-            </a:pPr>
-            <a:r>
-              <a:rPr lang="zh-CN" altLang="en-US" dirty="0" smtClean="0"/>
-              <a:t>输入</a:t>
-            </a:r>
-            <a:r>
-              <a:rPr lang="en-US" altLang="zh-CN" dirty="0" smtClean="0"/>
-              <a:t>Install Package</a:t>
-            </a:r>
-          </a:p>
-          <a:p>
-            <a:pPr marL="342900" indent="-342900">
-              <a:buFont typeface="Wingdings" panose="05000000000000000000" pitchFamily="2" charset="2"/>
-              <a:buChar char="l"/>
-            </a:pPr>
-            <a:r>
-              <a:rPr lang="zh-CN" altLang="en-US" dirty="0" smtClean="0"/>
-              <a:t>安装</a:t>
-            </a:r>
-            <a:r>
-              <a:rPr lang="en-US" altLang="zh-CN" dirty="0" err="1" smtClean="0"/>
-              <a:t>SideBarEnhance</a:t>
-            </a:r>
-            <a:r>
-              <a:rPr lang="zh-CN" altLang="en-US" dirty="0" smtClean="0"/>
-              <a:t>和</a:t>
-            </a:r>
-            <a:r>
-              <a:rPr lang="en-US" altLang="zh-CN" dirty="0" smtClean="0"/>
-              <a:t>Jedi</a:t>
-            </a:r>
-            <a:endParaRPr lang="en-US" altLang="zh-CN" dirty="0"/>
-          </a:p>
-          <a:p>
-            <a:endParaRPr lang="zh-CN" altLang="en-US" dirty="0"/>
-          </a:p>
-        </p:txBody>
-      </p:sp>
-      <p:sp>
-        <p:nvSpPr>
-          <p:cNvPr id="3" name="标题 2"/>
-          <p:cNvSpPr>
-            <a:spLocks noGrp="1"/>
-          </p:cNvSpPr>
-          <p:nvPr>
-            <p:ph type="title"/>
-          </p:nvPr>
-        </p:nvSpPr>
-        <p:spPr/>
-        <p:txBody>
-          <a:bodyPr/>
-          <a:lstStyle/>
-          <a:p>
-            <a:r>
-              <a:rPr lang="zh-CN" altLang="en-US" dirty="0"/>
-              <a:t>集成开发环境</a:t>
-            </a:r>
-          </a:p>
-        </p:txBody>
-      </p:sp>
-      <p:pic>
-        <p:nvPicPr>
-          <p:cNvPr id="4" name="图片 3"/>
-          <p:cNvPicPr>
-            <a:picLocks noChangeAspect="1"/>
-          </p:cNvPicPr>
-          <p:nvPr/>
-        </p:nvPicPr>
-        <p:blipFill>
-          <a:blip r:embed="rId2"/>
-          <a:stretch>
-            <a:fillRect/>
-          </a:stretch>
-        </p:blipFill>
-        <p:spPr>
-          <a:xfrm>
-            <a:off x="1351597" y="3068960"/>
-            <a:ext cx="5452651" cy="3164908"/>
-          </a:xfrm>
-          <a:prstGeom prst="rect">
-            <a:avLst/>
-          </a:prstGeom>
-        </p:spPr>
-      </p:pic>
-    </p:spTree>
-    <p:extLst>
-      <p:ext uri="{BB962C8B-B14F-4D97-AF65-F5344CB8AC3E}">
-        <p14:creationId xmlns:p14="http://schemas.microsoft.com/office/powerpoint/2010/main" val="535767046"/>
       </p:ext>
     </p:extLst>
   </p:cSld>
@@ -12871,12 +12857,12 @@
               <a:buChar char="l"/>
             </a:pPr>
             <a:r>
-              <a:rPr lang="en-US" altLang="zh-CN" dirty="0" err="1" smtClean="0"/>
-              <a:t>PyCharm</a:t>
+              <a:rPr lang="en-US" altLang="zh-CN" dirty="0"/>
+              <a:t>Sublime Text Package </a:t>
             </a:r>
             <a:r>
               <a:rPr lang="en-US" altLang="zh-CN" dirty="0" smtClean="0"/>
-              <a:t> (Community Edition)</a:t>
+              <a:t>Control</a:t>
             </a:r>
           </a:p>
           <a:p>
@@ -12885,18 +12871,53 @@
               <a:buChar char="l"/>
             </a:pPr>
             <a:r>
-              <a:rPr lang="en-US" altLang="zh-CN" dirty="0">
-                <a:hlinkClick r:id="rId2"/>
-              </a:rPr>
-              <a:t>https://www.jetbrains.com/pycharm</a:t>
-            </a:r>
-            <a:r>
-              <a:rPr lang="en-US" altLang="zh-CN" dirty="0" smtClean="0">
-                <a:hlinkClick r:id="rId2"/>
-              </a:rPr>
-              <a:t>/</a:t>
-            </a:r>
-            <a:endParaRPr lang="en-US" altLang="zh-CN" dirty="0" smtClean="0"/>
+              <a:rPr lang="zh-CN" altLang="en-US" dirty="0" smtClean="0"/>
+              <a:t>安装完成，点击工具条</a:t>
+            </a:r>
+            <a:r>
+              <a:rPr lang="en-US" altLang="zh-CN" dirty="0" smtClean="0"/>
+              <a:t>Preferences-&gt;Package Control</a:t>
+            </a:r>
+          </a:p>
+          <a:p>
+            <a:pPr marL="342900" indent="-342900">
+              <a:buFont typeface="Wingdings" panose="05000000000000000000" pitchFamily="2" charset="2"/>
+              <a:buChar char="l"/>
+            </a:pPr>
+            <a:r>
+              <a:rPr lang="zh-CN" altLang="en-US" dirty="0" smtClean="0"/>
+              <a:t>输入</a:t>
+            </a:r>
+            <a:r>
+              <a:rPr lang="en-US" altLang="zh-CN" dirty="0" smtClean="0"/>
+              <a:t>Install Package</a:t>
+            </a:r>
+          </a:p>
+          <a:p>
+            <a:pPr marL="342900" indent="-342900">
+              <a:buFont typeface="Wingdings" panose="05000000000000000000" pitchFamily="2" charset="2"/>
+              <a:buChar char="l"/>
+            </a:pPr>
+            <a:r>
+              <a:rPr lang="zh-CN" altLang="en-US" dirty="0" smtClean="0"/>
+              <a:t>安装</a:t>
+            </a:r>
+            <a:r>
+              <a:rPr lang="en-US" altLang="zh-CN" dirty="0" err="1" smtClean="0"/>
+              <a:t>SideBarEnhance</a:t>
+            </a:r>
+            <a:r>
+              <a:rPr lang="zh-CN" altLang="en-US" dirty="0" smtClean="0"/>
+              <a:t>和</a:t>
+            </a:r>
+            <a:r>
+              <a:rPr lang="en-US" altLang="zh-CN" dirty="0" smtClean="0"/>
+              <a:t>Jedi</a:t>
+            </a:r>
+            <a:endParaRPr lang="en-US" altLang="zh-CN" dirty="0"/>
+          </a:p>
+          <a:p>
+            <a:endParaRPr lang="zh-CN" altLang="en-US" dirty="0"/>
           </a:p>
         </p:txBody>
       </p:sp>
@@ -12931,21 +12952,15 @@
           <p:nvPr/>
         </p:nvPicPr>
         <p:blipFill>
-          <a:blip r:embed="rId3" cstate="print">
-            <a:extLst>
-              <a:ext uri="{28A0092B-C50C-407E-A947-70E740481C1C}">
-                <a14:useLocalDpi xmlns:a14="http://schemas.microsoft.com/office/drawing/2010/main" val="0"/>
-              </a:ext>
-            </a:extLst>
-          </a:blip>
+          <a:blip r:embed="rId2"/>
           <a:stretch>
             <a:fillRect/>
           </a:stretch>
         </p:blipFill>
         <p:spPr>
           <a:xfrm>
-            <a:off x="731660" y="2348880"/>
-            <a:ext cx="6468124" cy="3777283"/>
+            <a:off x="1351597" y="3068960"/>
+            <a:ext cx="5452651" cy="3164908"/>
           </a:xfrm>
           <a:prstGeom prst="rect">
             <a:avLst/>
@@ -12955,7 +12970,7 @@
     </p:spTree>
     <p:extLst>
       <p:ext uri="{BB962C8B-B14F-4D97-AF65-F5344CB8AC3E}">
-        <p14:creationId xmlns:p14="http://schemas.microsoft.com/office/powerpoint/2010/main" val="4101795217"/>
+        <p14:creationId xmlns:p14="http://schemas.microsoft.com/office/powerpoint/2010/main" val="535767046"/>
       </p:ext>
     </p:extLst>
   </p:cSld>
@@ -13014,7 +13029,15 @@
             </a:pPr>
             <a:r>
               <a:rPr lang="zh-CN" altLang="en-US" dirty="0" smtClean="0"/>
-              <a:t>人工智能的领域非常广，需要说明的一点就是，为了比较深入，本课程主要关注规划和学习两个内容。</a:t>
+              <a:t>人工智能的领域非常广，需要说明的一点就是，为了比较深入，本课程主要</a:t>
+            </a:r>
+            <a:r>
+              <a:rPr lang="zh-CN" altLang="en-US" dirty="0" smtClean="0"/>
+              <a:t>关注机器学习和深度学习两</a:t>
+            </a:r>
+            <a:r>
+              <a:rPr lang="zh-CN" altLang="en-US" dirty="0" smtClean="0"/>
+              <a:t>个内容。</a:t>
             </a:r>
             <a:endParaRPr lang="en-US" altLang="zh-CN" dirty="0"/>
           </a:p>
@@ -13034,7 +13057,11 @@
             </a:pPr>
             <a:r>
               <a:rPr lang="zh-CN" altLang="en-US" dirty="0" smtClean="0"/>
-              <a:t>课程设计与编程和实现密切相关</a:t>
+              <a:t>课程设计与编程和实现</a:t>
+            </a:r>
+            <a:r>
+              <a:rPr lang="zh-CN" altLang="en-US" dirty="0" smtClean="0"/>
+              <a:t>密切相关。</a:t>
             </a:r>
             <a:endParaRPr lang="en-US" altLang="zh-CN" dirty="0" smtClean="0"/>
           </a:p>
@@ -13130,6 +13157,144 @@
               <a:buChar char="l"/>
             </a:pPr>
             <a:r>
+              <a:rPr lang="en-US" altLang="zh-CN" dirty="0" err="1" smtClean="0"/>
+              <a:t>PyCharm</a:t>
+            </a:r>
+            <a:r>
+              <a:rPr lang="en-US" altLang="zh-CN" dirty="0" smtClean="0"/>
+              <a:t> (Community Edition)</a:t>
+            </a:r>
+          </a:p>
+          <a:p>
+            <a:pPr marL="342900" indent="-342900">
+              <a:buFont typeface="Wingdings" panose="05000000000000000000" pitchFamily="2" charset="2"/>
+              <a:buChar char="l"/>
+            </a:pPr>
+            <a:r>
+              <a:rPr lang="en-US" altLang="zh-CN" dirty="0">
+                <a:hlinkClick r:id="rId2"/>
+              </a:rPr>
+              <a:t>https://www.jetbrains.com/pycharm</a:t>
+            </a:r>
+            <a:r>
+              <a:rPr lang="en-US" altLang="zh-CN" dirty="0" smtClean="0">
+                <a:hlinkClick r:id="rId2"/>
+              </a:rPr>
+              <a:t>/</a:t>
+            </a:r>
+            <a:endParaRPr lang="en-US" altLang="zh-CN" dirty="0" smtClean="0"/>
+          </a:p>
+        </p:txBody>
+      </p:sp>
+      <p:sp>
+        <p:nvSpPr>
+          <p:cNvPr id="3" name="标题 2"/>
+          <p:cNvSpPr>
+            <a:spLocks noGrp="1"/>
+          </p:cNvSpPr>
+          <p:nvPr>
+            <p:ph type="title"/>
+          </p:nvPr>
+        </p:nvSpPr>
+        <p:spPr/>
+        <p:txBody>
+          <a:bodyPr/>
+          <a:lstStyle/>
+          <a:p>
+            <a:r>
+              <a:rPr lang="zh-CN" altLang="en-US" dirty="0"/>
+              <a:t>集成开发环境</a:t>
+            </a:r>
+          </a:p>
+        </p:txBody>
+      </p:sp>
+      <p:pic>
+        <p:nvPicPr>
+          <p:cNvPr id="4" name="图片 3"/>
+          <p:cNvPicPr>
+            <a:picLocks noChangeAspect="1"/>
+          </p:cNvPicPr>
+          <p:nvPr/>
+        </p:nvPicPr>
+        <p:blipFill>
+          <a:blip r:embed="rId3" cstate="print">
+            <a:extLst>
+              <a:ext uri="{28A0092B-C50C-407E-A947-70E740481C1C}">
+                <a14:useLocalDpi xmlns:a14="http://schemas.microsoft.com/office/drawing/2010/main" val="0"/>
+              </a:ext>
+            </a:extLst>
+          </a:blip>
+          <a:stretch>
+            <a:fillRect/>
+          </a:stretch>
+        </p:blipFill>
+        <p:spPr>
+          <a:xfrm>
+            <a:off x="731660" y="2348880"/>
+            <a:ext cx="6468124" cy="3777283"/>
+          </a:xfrm>
+          <a:prstGeom prst="rect">
+            <a:avLst/>
+          </a:prstGeom>
+        </p:spPr>
+      </p:pic>
+    </p:spTree>
+    <p:extLst>
+      <p:ext uri="{BB962C8B-B14F-4D97-AF65-F5344CB8AC3E}">
+        <p14:creationId xmlns:p14="http://schemas.microsoft.com/office/powerpoint/2010/main" val="4101795217"/>
+      </p:ext>
+    </p:extLst>
+  </p:cSld>
+  <p:clrMapOvr>
+    <a:masterClrMapping/>
+  </p:clrMapOvr>
+  <p:timing>
+    <p:tnLst>
+      <p:par>
+        <p:cTn id="1" dur="indefinite" restart="never" nodeType="tmRoot"/>
+      </p:par>
+    </p:tnLst>
+  </p:timing>
+</p:sld>
+</file>
+
+<file path=ppt/slides/slide31.xml><?xml version="1.0" encoding="utf-8"?>
+<p:sld xmlns:a="http://schemas.openxmlformats.org/drawingml/2006/main" xmlns:r="http://schemas.openxmlformats.org/officeDocument/2006/relationships" xmlns:p="http://schemas.openxmlformats.org/presentationml/2006/main">
+  <p:cSld>
+    <p:spTree>
+      <p:nvGrpSpPr>
+        <p:cNvPr id="1" name=""/>
+        <p:cNvGrpSpPr/>
+        <p:nvPr/>
+      </p:nvGrpSpPr>
+      <p:grpSpPr>
+        <a:xfrm>
+          <a:off x="0" y="0"/>
+          <a:ext cx="0" cy="0"/>
+          <a:chOff x="0" y="0"/>
+          <a:chExt cx="0" cy="0"/>
+        </a:xfrm>
+      </p:grpSpPr>
+      <p:sp>
+        <p:nvSpPr>
+          <p:cNvPr id="2" name="内容占位符 1"/>
+          <p:cNvSpPr>
+            <a:spLocks noGrp="1"/>
+          </p:cNvSpPr>
+          <p:nvPr>
+            <p:ph sz="half" idx="2"/>
+          </p:nvPr>
+        </p:nvSpPr>
+        <p:spPr/>
+        <p:txBody>
+          <a:bodyPr/>
+          <a:lstStyle/>
+          <a:p>
+            <a:pPr marL="342900" indent="-342900">
+              <a:buFont typeface="Wingdings" panose="05000000000000000000" pitchFamily="2" charset="2"/>
+              <a:buChar char="l"/>
+            </a:pPr>
+            <a:r>
               <a:rPr lang="en-US" altLang="zh-CN" dirty="0" smtClean="0"/>
               <a:t>Theano</a:t>
             </a:r>
@@ -13273,7 +13438,7 @@
 </p:sld>
 </file>
 
-<file path=ppt/slides/slide31.xml><?xml version="1.0" encoding="utf-8"?>
+<file path=ppt/slides/slide32.xml><?xml version="1.0" encoding="utf-8"?>
 <p:sld xmlns:a="http://schemas.openxmlformats.org/drawingml/2006/main" xmlns:r="http://schemas.openxmlformats.org/officeDocument/2006/relationships" xmlns:p="http://schemas.openxmlformats.org/presentationml/2006/main">
   <p:cSld>
     <p:spTree>
@@ -13510,7 +13675,7 @@
 </p:sld>
 </file>
 
-<file path=ppt/slides/slide32.xml><?xml version="1.0" encoding="utf-8"?>
+<file path=ppt/slides/slide33.xml><?xml version="1.0" encoding="utf-8"?>
 <p:sld xmlns:a="http://schemas.openxmlformats.org/drawingml/2006/main" xmlns:r="http://schemas.openxmlformats.org/officeDocument/2006/relationships" xmlns:p="http://schemas.openxmlformats.org/presentationml/2006/main">
   <p:cSld>
     <p:spTree>
@@ -13694,7 +13859,7 @@
 </p:sld>
 </file>
 
-<file path=ppt/slides/slide33.xml><?xml version="1.0" encoding="utf-8"?>
+<file path=ppt/slides/slide34.xml><?xml version="1.0" encoding="utf-8"?>
 <p:sld xmlns:a="http://schemas.openxmlformats.org/drawingml/2006/main" xmlns:r="http://schemas.openxmlformats.org/officeDocument/2006/relationships" xmlns:p="http://schemas.openxmlformats.org/presentationml/2006/main">
   <p:cSld>
     <p:spTree>
@@ -13857,7 +14022,7 @@
 </p:sld>
 </file>
 
-<file path=ppt/slides/slide34.xml><?xml version="1.0" encoding="utf-8"?>
+<file path=ppt/slides/slide35.xml><?xml version="1.0" encoding="utf-8"?>
 <p:sld xmlns:a="http://schemas.openxmlformats.org/drawingml/2006/main" xmlns:r="http://schemas.openxmlformats.org/officeDocument/2006/relationships" xmlns:p="http://schemas.openxmlformats.org/presentationml/2006/main">
   <p:cSld>
     <p:spTree>
@@ -14169,7 +14334,7 @@
 </p:sld>
 </file>
 
-<file path=ppt/slides/slide35.xml><?xml version="1.0" encoding="utf-8"?>
+<file path=ppt/slides/slide36.xml><?xml version="1.0" encoding="utf-8"?>
 <p:sld xmlns:a="http://schemas.openxmlformats.org/drawingml/2006/main" xmlns:r="http://schemas.openxmlformats.org/officeDocument/2006/relationships" xmlns:p="http://schemas.openxmlformats.org/presentationml/2006/main">
   <p:cSld>
     <p:spTree>
@@ -14271,7 +14436,7 @@
 </p:sld>
 </file>
 
-<file path=ppt/slides/slide36.xml><?xml version="1.0" encoding="utf-8"?>
+<file path=ppt/slides/slide37.xml><?xml version="1.0" encoding="utf-8"?>
 <p:sld xmlns:a="http://schemas.openxmlformats.org/drawingml/2006/main" xmlns:r="http://schemas.openxmlformats.org/officeDocument/2006/relationships" xmlns:p="http://schemas.openxmlformats.org/presentationml/2006/main">
   <p:cSld>
     <p:spTree>
@@ -14438,7 +14603,7 @@
 </p:sld>
 </file>
 
-<file path=ppt/slides/slide37.xml><?xml version="1.0" encoding="utf-8"?>
+<file path=ppt/slides/slide38.xml><?xml version="1.0" encoding="utf-8"?>
 <p:sld xmlns:a="http://schemas.openxmlformats.org/drawingml/2006/main" xmlns:r="http://schemas.openxmlformats.org/officeDocument/2006/relationships" xmlns:p="http://schemas.openxmlformats.org/presentationml/2006/main">
   <p:cSld>
     <p:spTree>
@@ -14622,7 +14787,7 @@
 </p:sld>
 </file>
 
-<file path=ppt/slides/slide38.xml><?xml version="1.0" encoding="utf-8"?>
+<file path=ppt/slides/slide39.xml><?xml version="1.0" encoding="utf-8"?>
 <p:sld xmlns:a="http://schemas.openxmlformats.org/drawingml/2006/main" xmlns:r="http://schemas.openxmlformats.org/officeDocument/2006/relationships" xmlns:p="http://schemas.openxmlformats.org/presentationml/2006/main">
   <p:cSld>
     <p:spTree>
@@ -14860,7 +15025,7 @@
             </a:pPr>
             <a:r>
               <a:rPr lang="zh-CN" altLang="en-US" dirty="0" smtClean="0"/>
-              <a:t>深度神经网络编程 </a:t>
+              <a:t>深度学习编程 </a:t>
             </a:r>
             <a:r>
               <a:rPr lang="en-US" altLang="zh-CN" dirty="0" smtClean="0"/>

--- a/chapter 01 - Linear regression with one variable/Aritificial_Intelligence.pptx
+++ b/chapter 01 - Linear regression with one variable/Aritificial_Intelligence.pptx
@@ -52,18 +52,18 @@
   <p:notesSz cx="6858000" cy="9144000"/>
   <p:embeddedFontLst>
     <p:embeddedFont>
-      <p:font typeface="腾祥嘉丽线黑简" panose="02010600030101010101" charset="-122"/>
+      <p:font typeface="Calibri" panose="020F0502020204030204" pitchFamily="34" charset="0"/>
       <p:regular r:id="rId42"/>
-    </p:embeddedFont>
-    <p:embeddedFont>
-      <p:font typeface="Calibri" panose="020F0502020204030204" pitchFamily="34" charset="0"/>
-      <p:regular r:id="rId43"/>
-      <p:bold r:id="rId44"/>
-      <p:italic r:id="rId45"/>
-      <p:boldItalic r:id="rId46"/>
+      <p:bold r:id="rId43"/>
+      <p:italic r:id="rId44"/>
+      <p:boldItalic r:id="rId45"/>
     </p:embeddedFont>
     <p:embeddedFont>
       <p:font typeface="Open Sans Light" panose="020B0604020202020204" charset="0"/>
+      <p:regular r:id="rId46"/>
+    </p:embeddedFont>
+    <p:embeddedFont>
+      <p:font typeface="腾祥嘉丽线黑简" panose="02010600030101010101" charset="-122"/>
       <p:regular r:id="rId47"/>
     </p:embeddedFont>
   </p:embeddedFontLst>
@@ -263,7 +263,7 @@
           <a:p>
             <a:fld id="{E91DDA70-9ABB-48BD-AFA1-521354C93EB2}" type="datetimeFigureOut">
               <a:rPr lang="zh-CN" altLang="en-US" smtClean="0"/>
-              <a:t>2018/3/7</a:t>
+              <a:t>2018/6/21</a:t>
             </a:fld>
             <a:endParaRPr lang="zh-CN" altLang="en-US"/>
           </a:p>
@@ -897,7 +897,7 @@
           <a:p>
             <a:fld id="{BF353E24-75C5-4466-B8AD-0A8FC8EA8740}" type="datetimeFigureOut">
               <a:rPr lang="zh-CN" altLang="en-US" smtClean="0"/>
-              <a:t>2018/3/7</a:t>
+              <a:t>2018/6/21</a:t>
             </a:fld>
             <a:endParaRPr lang="zh-CN" altLang="en-US"/>
           </a:p>
@@ -1705,7 +1705,7 @@
           <a:p>
             <a:fld id="{BF353E24-75C5-4466-B8AD-0A8FC8EA8740}" type="datetimeFigureOut">
               <a:rPr lang="zh-CN" altLang="en-US" smtClean="0"/>
-              <a:t>2018/3/7</a:t>
+              <a:t>2018/6/21</a:t>
             </a:fld>
             <a:endParaRPr lang="zh-CN" altLang="en-US"/>
           </a:p>
@@ -2076,7 +2076,7 @@
             <a:fld id="{BF353E24-75C5-4466-B8AD-0A8FC8EA8740}" type="datetimeFigureOut">
               <a:rPr lang="zh-CN" altLang="en-US" smtClean="0"/>
               <a:pPr/>
-              <a:t>2018/3/7</a:t>
+              <a:t>2018/6/21</a:t>
             </a:fld>
             <a:endParaRPr lang="zh-CN" altLang="en-US" dirty="0"/>
           </a:p>
@@ -2673,7 +2673,7 @@
           <a:p>
             <a:fld id="{BF353E24-75C5-4466-B8AD-0A8FC8EA8740}" type="datetimeFigureOut">
               <a:rPr lang="zh-CN" altLang="en-US" smtClean="0"/>
-              <a:t>2018/3/7</a:t>
+              <a:t>2018/6/21</a:t>
             </a:fld>
             <a:endParaRPr lang="zh-CN" altLang="en-US"/>
           </a:p>
@@ -3103,7 +3103,7 @@
           <a:p>
             <a:fld id="{BF353E24-75C5-4466-B8AD-0A8FC8EA8740}" type="datetimeFigureOut">
               <a:rPr lang="zh-CN" altLang="en-US" smtClean="0"/>
-              <a:t>2018/3/7</a:t>
+              <a:t>2018/6/21</a:t>
             </a:fld>
             <a:endParaRPr lang="zh-CN" altLang="en-US"/>
           </a:p>
@@ -4002,7 +4002,7 @@
           <a:p>
             <a:fld id="{BF353E24-75C5-4466-B8AD-0A8FC8EA8740}" type="datetimeFigureOut">
               <a:rPr lang="zh-CN" altLang="en-US" smtClean="0"/>
-              <a:t>2018/3/7</a:t>
+              <a:t>2018/6/21</a:t>
             </a:fld>
             <a:endParaRPr lang="zh-CN" altLang="en-US"/>
           </a:p>
@@ -4388,7 +4388,7 @@
           <a:p>
             <a:fld id="{BF353E24-75C5-4466-B8AD-0A8FC8EA8740}" type="datetimeFigureOut">
               <a:rPr lang="zh-CN" altLang="en-US" smtClean="0"/>
-              <a:t>2018/3/7</a:t>
+              <a:t>2018/6/21</a:t>
             </a:fld>
             <a:endParaRPr lang="zh-CN" altLang="en-US"/>
           </a:p>
@@ -4603,7 +4603,7 @@
           <a:p>
             <a:fld id="{BF353E24-75C5-4466-B8AD-0A8FC8EA8740}" type="datetimeFigureOut">
               <a:rPr lang="zh-CN" altLang="en-US" smtClean="0"/>
-              <a:t>2018/3/7</a:t>
+              <a:t>2018/6/21</a:t>
             </a:fld>
             <a:endParaRPr lang="zh-CN" altLang="en-US"/>
           </a:p>
@@ -4837,7 +4837,7 @@
             <a:fld id="{BF353E24-75C5-4466-B8AD-0A8FC8EA8740}" type="datetimeFigureOut">
               <a:rPr lang="zh-CN" altLang="en-US" smtClean="0"/>
               <a:pPr/>
-              <a:t>2018/3/7</a:t>
+              <a:t>2018/6/21</a:t>
             </a:fld>
             <a:endParaRPr lang="zh-CN" altLang="en-US"/>
           </a:p>
@@ -11905,7 +11905,19 @@
             </a:r>
             <a:r>
               <a:rPr lang="en-US" altLang="zh-CN" dirty="0" smtClean="0"/>
-              <a:t>template</a:t>
+              <a:t>template </a:t>
+            </a:r>
+            <a:r>
+              <a:rPr lang="en-US" altLang="zh-CN" dirty="0" smtClean="0"/>
+              <a:t>(</a:t>
+            </a:r>
+            <a:r>
+              <a:rPr lang="zh-CN" altLang="en-US" dirty="0"/>
+              <a:t>备选</a:t>
+            </a:r>
+            <a:r>
+              <a:rPr lang="en-US" altLang="zh-CN" dirty="0" smtClean="0"/>
+              <a:t>)</a:t>
             </a:r>
             <a:r>
               <a:rPr lang="zh-CN" altLang="en-US" dirty="0" smtClean="0"/>
@@ -13029,15 +13041,7 @@
             </a:pPr>
             <a:r>
               <a:rPr lang="zh-CN" altLang="en-US" dirty="0" smtClean="0"/>
-              <a:t>人工智能的领域非常广，需要说明的一点就是，为了比较深入，本课程主要</a:t>
-            </a:r>
-            <a:r>
-              <a:rPr lang="zh-CN" altLang="en-US" dirty="0" smtClean="0"/>
-              <a:t>关注机器学习和深度学习两</a:t>
-            </a:r>
-            <a:r>
-              <a:rPr lang="zh-CN" altLang="en-US" dirty="0" smtClean="0"/>
-              <a:t>个内容。</a:t>
+              <a:t>人工智能的领域非常广，需要说明的一点就是，为了比较深入，本课程主要关注机器学习和深度学习两个内容。</a:t>
             </a:r>
             <a:endParaRPr lang="en-US" altLang="zh-CN" dirty="0"/>
           </a:p>
@@ -13057,11 +13061,7 @@
             </a:pPr>
             <a:r>
               <a:rPr lang="zh-CN" altLang="en-US" dirty="0" smtClean="0"/>
-              <a:t>课程设计与编程和实现</a:t>
-            </a:r>
-            <a:r>
-              <a:rPr lang="zh-CN" altLang="en-US" dirty="0" smtClean="0"/>
-              <a:t>密切相关。</a:t>
+              <a:t>课程设计与编程和实现密切相关。</a:t>
             </a:r>
             <a:endParaRPr lang="en-US" altLang="zh-CN" dirty="0" smtClean="0"/>
           </a:p>
